--- a/Presentation_finalproject_MH_Nov2024.pptx
+++ b/Presentation_finalproject_MH_Nov2024.pptx
@@ -5320,7 +5320,7 @@
         </p:nvSpPr>
         <p:spPr>
           <a:xfrm>
-            <a:off x="444910" y="0"/>
+            <a:off x="413379" y="-242566"/>
             <a:ext cx="10515600" cy="1325563"/>
           </a:xfrm>
         </p:spPr>
@@ -5343,19 +5343,17 @@
       </p:sp>
       <p:pic>
         <p:nvPicPr>
-          <p:cNvPr id="5" name="Content Placeholder 4">
-            <a:extLst>
-              <a:ext uri="{FF2B5EF4-FFF2-40B4-BE49-F238E27FC236}">
-                <a16:creationId xmlns:a16="http://schemas.microsoft.com/office/drawing/2014/main" id="{3F84E6B0-C015-90BF-7A92-12A901472445}"/>
+          <p:cNvPr id="14" name="Picture 13">
+            <a:extLst>
+              <a:ext uri="{FF2B5EF4-FFF2-40B4-BE49-F238E27FC236}">
+                <a16:creationId xmlns:a16="http://schemas.microsoft.com/office/drawing/2014/main" id="{9C81CBAB-7F88-1655-779A-8F6020668A0D}"/>
               </a:ext>
             </a:extLst>
           </p:cNvPr>
           <p:cNvPicPr>
-            <a:picLocks noGrp="1" noChangeAspect="1"/>
+            <a:picLocks noChangeAspect="1"/>
           </p:cNvPicPr>
-          <p:nvPr>
-            <p:ph idx="1"/>
-          </p:nvPr>
+          <p:nvPr/>
         </p:nvPicPr>
         <p:blipFill>
           <a:blip r:embed="rId2"/>
@@ -5365,17 +5363,20 @@
         </p:blipFill>
         <p:spPr>
           <a:xfrm>
-            <a:off x="6282814" y="1967784"/>
-            <a:ext cx="5411721" cy="3725827"/>
+            <a:off x="6306207" y="849917"/>
+            <a:ext cx="5675586" cy="3753712"/>
           </a:xfrm>
+          <a:prstGeom prst="rect">
+            <a:avLst/>
+          </a:prstGeom>
         </p:spPr>
       </p:pic>
       <p:pic>
         <p:nvPicPr>
-          <p:cNvPr id="7" name="Picture 6">
-            <a:extLst>
-              <a:ext uri="{FF2B5EF4-FFF2-40B4-BE49-F238E27FC236}">
-                <a16:creationId xmlns:a16="http://schemas.microsoft.com/office/drawing/2014/main" id="{4693D826-C092-ECB3-E4B5-C17B5A4DB732}"/>
+          <p:cNvPr id="16" name="Picture 15">
+            <a:extLst>
+              <a:ext uri="{FF2B5EF4-FFF2-40B4-BE49-F238E27FC236}">
+                <a16:creationId xmlns:a16="http://schemas.microsoft.com/office/drawing/2014/main" id="{09DBC3AD-88C8-D023-E9D8-B94CE243F1A2}"/>
               </a:ext>
             </a:extLst>
           </p:cNvPr>
@@ -5392,8 +5393,8 @@
         </p:blipFill>
         <p:spPr>
           <a:xfrm>
-            <a:off x="0" y="1325563"/>
-            <a:ext cx="6001907" cy="3717283"/>
+            <a:off x="-40907" y="742831"/>
+            <a:ext cx="6229223" cy="3860798"/>
           </a:xfrm>
           <a:prstGeom prst="rect">
             <a:avLst/>
@@ -5402,10 +5403,10 @@
       </p:pic>
       <p:pic>
         <p:nvPicPr>
-          <p:cNvPr id="9" name="Picture 8">
-            <a:extLst>
-              <a:ext uri="{FF2B5EF4-FFF2-40B4-BE49-F238E27FC236}">
-                <a16:creationId xmlns:a16="http://schemas.microsoft.com/office/drawing/2014/main" id="{FEE24DED-F880-9050-C798-57525C925F0E}"/>
+          <p:cNvPr id="18" name="Picture 17">
+            <a:extLst>
+              <a:ext uri="{FF2B5EF4-FFF2-40B4-BE49-F238E27FC236}">
+                <a16:creationId xmlns:a16="http://schemas.microsoft.com/office/drawing/2014/main" id="{9EE22F47-8276-9DB8-9B5C-5436851D198A}"/>
               </a:ext>
             </a:extLst>
           </p:cNvPr>
@@ -5416,13 +5417,14 @@
         </p:nvPicPr>
         <p:blipFill>
           <a:blip r:embed="rId4"/>
-          <a:srcRect t="19535" b="19843"/>
-          <a:stretch/>
+          <a:stretch>
+            <a:fillRect/>
+          </a:stretch>
         </p:blipFill>
         <p:spPr>
           <a:xfrm>
-            <a:off x="572730" y="5042846"/>
-            <a:ext cx="4980807" cy="1749224"/>
+            <a:off x="-40907" y="4603629"/>
+            <a:ext cx="6734175" cy="2254371"/>
           </a:xfrm>
           <a:prstGeom prst="rect">
             <a:avLst/>
@@ -5506,47 +5508,90 @@
           </a:p>
         </p:txBody>
       </p:sp>
+      <p:sp>
+        <p:nvSpPr>
+          <p:cNvPr id="9" name="TextBox 8">
+            <a:extLst>
+              <a:ext uri="{FF2B5EF4-FFF2-40B4-BE49-F238E27FC236}">
+                <a16:creationId xmlns:a16="http://schemas.microsoft.com/office/drawing/2014/main" id="{E0C87EF0-4172-B3BE-8006-FEE6BDA58C54}"/>
+              </a:ext>
+            </a:extLst>
+          </p:cNvPr>
+          <p:cNvSpPr txBox="1"/>
+          <p:nvPr/>
+        </p:nvSpPr>
+        <p:spPr>
+          <a:xfrm>
+            <a:off x="342617" y="1583306"/>
+            <a:ext cx="6096000" cy="369332"/>
+          </a:xfrm>
+          <a:prstGeom prst="rect">
+            <a:avLst/>
+          </a:prstGeom>
+          <a:noFill/>
+        </p:spPr>
+        <p:txBody>
+          <a:bodyPr wrap="square">
+            <a:spAutoFit/>
+          </a:bodyPr>
+          <a:lstStyle/>
+          <a:p>
+            <a:r>
+              <a:rPr lang="en-US" b="0" dirty="0">
+                <a:solidFill>
+                  <a:srgbClr val="515151"/>
+                </a:solidFill>
+                <a:effectLst/>
+                <a:latin typeface="Consolas" panose="020B0609020204030204" pitchFamily="49" charset="0"/>
+              </a:rPr>
+              <a:t>Calculate Z-Score and IQR outliers</a:t>
+            </a:r>
+            <a:endParaRPr lang="en-US" b="0" dirty="0">
+              <a:solidFill>
+                <a:srgbClr val="292929"/>
+              </a:solidFill>
+              <a:effectLst/>
+              <a:latin typeface="Consolas" panose="020B0609020204030204" pitchFamily="49" charset="0"/>
+            </a:endParaRPr>
+          </a:p>
+        </p:txBody>
+      </p:sp>
       <p:pic>
         <p:nvPicPr>
-          <p:cNvPr id="7" name="Content Placeholder 6" descr="A close up of words&#10;&#10;Description automatically generated">
-            <a:extLst>
-              <a:ext uri="{FF2B5EF4-FFF2-40B4-BE49-F238E27FC236}">
-                <a16:creationId xmlns:a16="http://schemas.microsoft.com/office/drawing/2014/main" id="{B92892AD-DDB2-5FE9-54C8-DE25B6BDBA1F}"/>
+          <p:cNvPr id="13" name="Picture 12">
+            <a:extLst>
+              <a:ext uri="{FF2B5EF4-FFF2-40B4-BE49-F238E27FC236}">
+                <a16:creationId xmlns:a16="http://schemas.microsoft.com/office/drawing/2014/main" id="{773B5FD7-D926-D4B3-41BB-FE4C4E2D1493}"/>
               </a:ext>
             </a:extLst>
           </p:cNvPr>
           <p:cNvPicPr>
-            <a:picLocks noGrp="1" noChangeAspect="1"/>
+            <a:picLocks noChangeAspect="1"/>
           </p:cNvPicPr>
-          <p:nvPr>
-            <p:ph idx="4294967295"/>
-          </p:nvPr>
+          <p:nvPr/>
         </p:nvPicPr>
         <p:blipFill>
-          <a:blip r:embed="rId2">
-            <a:extLst>
-              <a:ext uri="{28A0092B-C50C-407E-A947-70E740481C1C}">
-                <a14:useLocalDpi xmlns:a14="http://schemas.microsoft.com/office/drawing/2010/main" val="0"/>
-              </a:ext>
-            </a:extLst>
-          </a:blip>
+          <a:blip r:embed="rId2"/>
           <a:stretch>
             <a:fillRect/>
           </a:stretch>
         </p:blipFill>
         <p:spPr>
           <a:xfrm>
-            <a:off x="498225" y="2164885"/>
-            <a:ext cx="4339462" cy="776287"/>
+            <a:off x="5082718" y="0"/>
+            <a:ext cx="6612994" cy="4049486"/>
           </a:xfrm>
+          <a:prstGeom prst="rect">
+            <a:avLst/>
+          </a:prstGeom>
         </p:spPr>
       </p:pic>
       <p:pic>
         <p:nvPicPr>
-          <p:cNvPr id="10" name="Picture 9">
-            <a:extLst>
-              <a:ext uri="{FF2B5EF4-FFF2-40B4-BE49-F238E27FC236}">
-                <a16:creationId xmlns:a16="http://schemas.microsoft.com/office/drawing/2014/main" id="{2616AE44-D423-AB71-5B96-723F9CC27DF6}"/>
+          <p:cNvPr id="16" name="Picture 15">
+            <a:extLst>
+              <a:ext uri="{FF2B5EF4-FFF2-40B4-BE49-F238E27FC236}">
+                <a16:creationId xmlns:a16="http://schemas.microsoft.com/office/drawing/2014/main" id="{2882EA45-A9A4-9375-B515-5010646FA54A}"/>
               </a:ext>
             </a:extLst>
           </p:cNvPr>
@@ -5563,8 +5608,8 @@
         </p:blipFill>
         <p:spPr>
           <a:xfrm>
-            <a:off x="226918" y="3245008"/>
-            <a:ext cx="4733181" cy="3431558"/>
+            <a:off x="56677" y="3370944"/>
+            <a:ext cx="5451494" cy="3379160"/>
           </a:xfrm>
           <a:prstGeom prst="rect">
             <a:avLst/>
@@ -5573,10 +5618,10 @@
       </p:pic>
       <p:pic>
         <p:nvPicPr>
-          <p:cNvPr id="5" name="Picture 4">
-            <a:extLst>
-              <a:ext uri="{FF2B5EF4-FFF2-40B4-BE49-F238E27FC236}">
-                <a16:creationId xmlns:a16="http://schemas.microsoft.com/office/drawing/2014/main" id="{F29E25BC-242D-E318-313C-9E132A14C262}"/>
+          <p:cNvPr id="20" name="Picture 19" descr="A close up of text&#10;&#10;Description automatically generated">
+            <a:extLst>
+              <a:ext uri="{FF2B5EF4-FFF2-40B4-BE49-F238E27FC236}">
+                <a16:creationId xmlns:a16="http://schemas.microsoft.com/office/drawing/2014/main" id="{A049DECB-CB26-D2B8-AFBC-D6BDBF802388}"/>
               </a:ext>
             </a:extLst>
           </p:cNvPr>
@@ -5586,69 +5631,27 @@
           <p:nvPr/>
         </p:nvPicPr>
         <p:blipFill>
-          <a:blip r:embed="rId4"/>
+          <a:blip r:embed="rId4">
+            <a:extLst>
+              <a:ext uri="{28A0092B-C50C-407E-A947-70E740481C1C}">
+                <a14:useLocalDpi xmlns:a14="http://schemas.microsoft.com/office/drawing/2010/main" val="0"/>
+              </a:ext>
+            </a:extLst>
+          </a:blip>
           <a:stretch>
             <a:fillRect/>
           </a:stretch>
         </p:blipFill>
         <p:spPr>
           <a:xfrm>
-            <a:off x="4960099" y="52652"/>
-            <a:ext cx="7231901" cy="4592340"/>
+            <a:off x="364464" y="2024743"/>
+            <a:ext cx="4458086" cy="1143099"/>
           </a:xfrm>
           <a:prstGeom prst="rect">
             <a:avLst/>
           </a:prstGeom>
         </p:spPr>
       </p:pic>
-      <p:sp>
-        <p:nvSpPr>
-          <p:cNvPr id="9" name="TextBox 8">
-            <a:extLst>
-              <a:ext uri="{FF2B5EF4-FFF2-40B4-BE49-F238E27FC236}">
-                <a16:creationId xmlns:a16="http://schemas.microsoft.com/office/drawing/2014/main" id="{E0C87EF0-4172-B3BE-8006-FEE6BDA58C54}"/>
-              </a:ext>
-            </a:extLst>
-          </p:cNvPr>
-          <p:cNvSpPr txBox="1"/>
-          <p:nvPr/>
-        </p:nvSpPr>
-        <p:spPr>
-          <a:xfrm>
-            <a:off x="342617" y="1583306"/>
-            <a:ext cx="6096000" cy="369332"/>
-          </a:xfrm>
-          <a:prstGeom prst="rect">
-            <a:avLst/>
-          </a:prstGeom>
-          <a:noFill/>
-        </p:spPr>
-        <p:txBody>
-          <a:bodyPr wrap="square">
-            <a:spAutoFit/>
-          </a:bodyPr>
-          <a:lstStyle/>
-          <a:p>
-            <a:r>
-              <a:rPr lang="en-US" b="0" dirty="0">
-                <a:solidFill>
-                  <a:srgbClr val="515151"/>
-                </a:solidFill>
-                <a:effectLst/>
-                <a:latin typeface="Consolas" panose="020B0609020204030204" pitchFamily="49" charset="0"/>
-              </a:rPr>
-              <a:t>Calculate Z-Score and IQR outliers</a:t>
-            </a:r>
-            <a:endParaRPr lang="en-US" b="0" dirty="0">
-              <a:solidFill>
-                <a:srgbClr val="292929"/>
-              </a:solidFill>
-              <a:effectLst/>
-              <a:latin typeface="Consolas" panose="020B0609020204030204" pitchFamily="49" charset="0"/>
-            </a:endParaRPr>
-          </a:p>
-        </p:txBody>
-      </p:sp>
     </p:spTree>
     <p:extLst>
       <p:ext uri="{BB962C8B-B14F-4D97-AF65-F5344CB8AC3E}">
@@ -5753,10 +5756,10 @@
       </p:pic>
       <p:pic>
         <p:nvPicPr>
-          <p:cNvPr id="5" name="Picture 4">
-            <a:extLst>
-              <a:ext uri="{FF2B5EF4-FFF2-40B4-BE49-F238E27FC236}">
-                <a16:creationId xmlns:a16="http://schemas.microsoft.com/office/drawing/2014/main" id="{D716E48F-71DE-13E6-497A-5C394DF49BF3}"/>
+          <p:cNvPr id="9" name="Picture 8">
+            <a:extLst>
+              <a:ext uri="{FF2B5EF4-FFF2-40B4-BE49-F238E27FC236}">
+                <a16:creationId xmlns:a16="http://schemas.microsoft.com/office/drawing/2014/main" id="{999FD31C-4706-C4A4-CEB6-FDC6AABD6A3D}"/>
               </a:ext>
             </a:extLst>
           </p:cNvPr>
@@ -5773,8 +5776,8 @@
         </p:blipFill>
         <p:spPr>
           <a:xfrm>
-            <a:off x="117191" y="-1"/>
-            <a:ext cx="4438859" cy="6492875"/>
+            <a:off x="0" y="0"/>
+            <a:ext cx="4438859" cy="6858000"/>
           </a:xfrm>
           <a:prstGeom prst="rect">
             <a:avLst/>
@@ -5836,37 +5839,47 @@
           </a:p>
         </p:txBody>
       </p:sp>
-      <p:sp>
-        <p:nvSpPr>
-          <p:cNvPr id="3" name="Content Placeholder 2">
-            <a:extLst>
-              <a:ext uri="{FF2B5EF4-FFF2-40B4-BE49-F238E27FC236}">
-                <a16:creationId xmlns:a16="http://schemas.microsoft.com/office/drawing/2014/main" id="{B6CF2556-FA0E-3561-75CC-29509A0A7BD7}"/>
-              </a:ext>
-            </a:extLst>
-          </p:cNvPr>
-          <p:cNvSpPr>
-            <a:spLocks noGrp="1"/>
-          </p:cNvSpPr>
-          <p:nvPr>
-            <p:ph idx="1"/>
-          </p:nvPr>
-        </p:nvSpPr>
-        <p:spPr/>
-        <p:txBody>
-          <a:bodyPr/>
-          <a:lstStyle/>
-          <a:p>
-            <a:endParaRPr lang="en-CA" dirty="0"/>
-          </a:p>
-        </p:txBody>
-      </p:sp>
       <p:pic>
         <p:nvPicPr>
-          <p:cNvPr id="7" name="Picture 6">
-            <a:extLst>
-              <a:ext uri="{FF2B5EF4-FFF2-40B4-BE49-F238E27FC236}">
-                <a16:creationId xmlns:a16="http://schemas.microsoft.com/office/drawing/2014/main" id="{5DED23B9-D429-97B8-44F6-F02559D05872}"/>
+          <p:cNvPr id="9" name="Content Placeholder 8">
+            <a:extLst>
+              <a:ext uri="{FF2B5EF4-FFF2-40B4-BE49-F238E27FC236}">
+                <a16:creationId xmlns:a16="http://schemas.microsoft.com/office/drawing/2014/main" id="{AAD19B39-CDE4-B8B3-0BA2-1422EDC3AD9F}"/>
+              </a:ext>
+            </a:extLst>
+          </p:cNvPr>
+          <p:cNvPicPr>
+            <a:picLocks noGrp="1" noChangeAspect="1"/>
+          </p:cNvPicPr>
+          <p:nvPr>
+            <p:ph idx="1"/>
+          </p:nvPr>
+        </p:nvPicPr>
+        <p:blipFill>
+          <a:blip r:embed="rId2">
+            <a:extLst>
+              <a:ext uri="{28A0092B-C50C-407E-A947-70E740481C1C}">
+                <a14:useLocalDpi xmlns:a14="http://schemas.microsoft.com/office/drawing/2010/main" val="0"/>
+              </a:ext>
+            </a:extLst>
+          </a:blip>
+          <a:stretch>
+            <a:fillRect/>
+          </a:stretch>
+        </p:blipFill>
+        <p:spPr>
+          <a:xfrm>
+            <a:off x="4085944" y="3715504"/>
+            <a:ext cx="4020111" cy="571580"/>
+          </a:xfrm>
+        </p:spPr>
+      </p:pic>
+      <p:pic>
+        <p:nvPicPr>
+          <p:cNvPr id="13" name="Picture 12">
+            <a:extLst>
+              <a:ext uri="{FF2B5EF4-FFF2-40B4-BE49-F238E27FC236}">
+                <a16:creationId xmlns:a16="http://schemas.microsoft.com/office/drawing/2014/main" id="{1B005DC5-21F3-B6A8-964E-DEC7CA7EE94C}"/>
               </a:ext>
             </a:extLst>
           </p:cNvPr>
@@ -5876,15 +5889,51 @@
           <p:nvPr/>
         </p:nvPicPr>
         <p:blipFill>
-          <a:blip r:embed="rId2"/>
+          <a:blip r:embed="rId3"/>
           <a:stretch>
             <a:fillRect/>
           </a:stretch>
         </p:blipFill>
         <p:spPr>
           <a:xfrm>
-            <a:off x="766916" y="0"/>
-            <a:ext cx="10515600" cy="6858000"/>
+            <a:off x="649144" y="0"/>
+            <a:ext cx="9300399" cy="5854950"/>
+          </a:xfrm>
+          <a:prstGeom prst="rect">
+            <a:avLst/>
+          </a:prstGeom>
+        </p:spPr>
+      </p:pic>
+      <p:pic>
+        <p:nvPicPr>
+          <p:cNvPr id="14" name="Picture 13" descr="A close up of a text&#10;&#10;Description automatically generated">
+            <a:extLst>
+              <a:ext uri="{FF2B5EF4-FFF2-40B4-BE49-F238E27FC236}">
+                <a16:creationId xmlns:a16="http://schemas.microsoft.com/office/drawing/2014/main" id="{AAF025B0-2BA6-281A-6D15-FF1E72C37DFB}"/>
+              </a:ext>
+            </a:extLst>
+          </p:cNvPr>
+          <p:cNvPicPr>
+            <a:picLocks noChangeAspect="1"/>
+          </p:cNvPicPr>
+          <p:nvPr/>
+        </p:nvPicPr>
+        <p:blipFill>
+          <a:blip r:embed="rId2">
+            <a:extLst>
+              <a:ext uri="{28A0092B-C50C-407E-A947-70E740481C1C}">
+                <a14:useLocalDpi xmlns:a14="http://schemas.microsoft.com/office/drawing/2010/main" val="0"/>
+              </a:ext>
+            </a:extLst>
+          </a:blip>
+          <a:stretch>
+            <a:fillRect/>
+          </a:stretch>
+        </p:blipFill>
+        <p:spPr>
+          <a:xfrm>
+            <a:off x="8390089" y="3254046"/>
+            <a:ext cx="3497111" cy="571580"/>
           </a:xfrm>
           <a:prstGeom prst="rect">
             <a:avLst/>
@@ -5948,10 +5997,10 @@
       </p:sp>
       <p:pic>
         <p:nvPicPr>
-          <p:cNvPr id="5" name="Picture 4">
-            <a:extLst>
-              <a:ext uri="{FF2B5EF4-FFF2-40B4-BE49-F238E27FC236}">
-                <a16:creationId xmlns:a16="http://schemas.microsoft.com/office/drawing/2014/main" id="{588A3001-148F-D9F1-14C1-77403BEEFC2F}"/>
+          <p:cNvPr id="20" name="Picture 19">
+            <a:extLst>
+              <a:ext uri="{FF2B5EF4-FFF2-40B4-BE49-F238E27FC236}">
+                <a16:creationId xmlns:a16="http://schemas.microsoft.com/office/drawing/2014/main" id="{A9ADFEED-1572-03FC-B929-BD640F89BED6}"/>
               </a:ext>
             </a:extLst>
           </p:cNvPr>
@@ -5968,8 +6017,8 @@
         </p:blipFill>
         <p:spPr>
           <a:xfrm>
-            <a:off x="7586269" y="0"/>
-            <a:ext cx="4353162" cy="3532730"/>
+            <a:off x="190032" y="0"/>
+            <a:ext cx="6562187" cy="3810000"/>
           </a:xfrm>
           <a:prstGeom prst="rect">
             <a:avLst/>
@@ -5978,10 +6027,10 @@
       </p:pic>
       <p:pic>
         <p:nvPicPr>
-          <p:cNvPr id="7" name="Picture 6">
-            <a:extLst>
-              <a:ext uri="{FF2B5EF4-FFF2-40B4-BE49-F238E27FC236}">
-                <a16:creationId xmlns:a16="http://schemas.microsoft.com/office/drawing/2014/main" id="{1D3068BC-3CE0-863D-86C2-3DA4F5D3AFFD}"/>
+          <p:cNvPr id="23" name="Picture 22">
+            <a:extLst>
+              <a:ext uri="{FF2B5EF4-FFF2-40B4-BE49-F238E27FC236}">
+                <a16:creationId xmlns:a16="http://schemas.microsoft.com/office/drawing/2014/main" id="{886CFD7D-D625-EAB5-3754-F599E61EE96D}"/>
               </a:ext>
             </a:extLst>
           </p:cNvPr>
@@ -5998,8 +6047,8 @@
         </p:blipFill>
         <p:spPr>
           <a:xfrm>
-            <a:off x="7747819" y="3532730"/>
-            <a:ext cx="4444181" cy="3251840"/>
+            <a:off x="6719750" y="155575"/>
+            <a:ext cx="5472250" cy="3498850"/>
           </a:xfrm>
           <a:prstGeom prst="rect">
             <a:avLst/>
@@ -6008,19 +6057,17 @@
       </p:pic>
       <p:pic>
         <p:nvPicPr>
-          <p:cNvPr id="8" name="Content Placeholder 7">
-            <a:extLst>
-              <a:ext uri="{FF2B5EF4-FFF2-40B4-BE49-F238E27FC236}">
-                <a16:creationId xmlns:a16="http://schemas.microsoft.com/office/drawing/2014/main" id="{B3BB1E9D-6B0D-1222-B21E-2AB81A344132}"/>
+          <p:cNvPr id="25" name="Picture 24">
+            <a:extLst>
+              <a:ext uri="{FF2B5EF4-FFF2-40B4-BE49-F238E27FC236}">
+                <a16:creationId xmlns:a16="http://schemas.microsoft.com/office/drawing/2014/main" id="{F04FEDA4-D6CD-1DCA-02B2-72D563EC1DA4}"/>
               </a:ext>
             </a:extLst>
           </p:cNvPr>
           <p:cNvPicPr>
-            <a:picLocks noGrp="1" noChangeAspect="1"/>
+            <a:picLocks noChangeAspect="1"/>
           </p:cNvPicPr>
-          <p:nvPr>
-            <p:ph idx="1"/>
-          </p:nvPr>
+          <p:nvPr/>
         </p:nvPicPr>
         <p:blipFill>
           <a:blip r:embed="rId4"/>
@@ -6030,8 +6077,8 @@
         </p:blipFill>
         <p:spPr>
           <a:xfrm>
-            <a:off x="107416" y="1132653"/>
-            <a:ext cx="7478853" cy="3685153"/>
+            <a:off x="6752219" y="3551442"/>
+            <a:ext cx="4307667" cy="3200160"/>
           </a:xfrm>
           <a:prstGeom prst="rect">
             <a:avLst/>

--- a/Presentation_finalproject_MH_Nov2024.pptx
+++ b/Presentation_finalproject_MH_Nov2024.pptx
@@ -115,6 +115,11 @@
       </a:defRPr>
     </a:lvl9pPr>
   </p:defaultTextStyle>
+  <p:extLst>
+    <p:ext uri="{EFAFB233-063F-42B5-8137-9DF3F51BA10A}">
+      <p15:sldGuideLst xmlns:p15="http://schemas.microsoft.com/office/powerpoint/2012/main"/>
+    </p:ext>
+  </p:extLst>
 </p:presentation>
 </file>
 
@@ -200,7 +205,7 @@
           <a:p>
             <a:fld id="{0D759FBC-5BB3-4C83-B4F0-0DBF01B843E1}" type="datetimeFigureOut">
               <a:rPr lang="en-CA" smtClean="0"/>
-              <a:t>2024-11-26</a:t>
+              <a:t>2024-11-27</a:t>
             </a:fld>
             <a:endParaRPr lang="en-CA"/>
           </a:p>
@@ -701,7 +706,7 @@
           <a:p>
             <a:fld id="{200DA21B-7E00-491C-916E-51F5411D212D}" type="datetimeFigureOut">
               <a:rPr lang="en-CA" smtClean="0"/>
-              <a:t>2024-11-26</a:t>
+              <a:t>2024-11-27</a:t>
             </a:fld>
             <a:endParaRPr lang="en-CA"/>
           </a:p>
@@ -901,7 +906,7 @@
           <a:p>
             <a:fld id="{200DA21B-7E00-491C-916E-51F5411D212D}" type="datetimeFigureOut">
               <a:rPr lang="en-CA" smtClean="0"/>
-              <a:t>2024-11-26</a:t>
+              <a:t>2024-11-27</a:t>
             </a:fld>
             <a:endParaRPr lang="en-CA"/>
           </a:p>
@@ -1111,7 +1116,7 @@
           <a:p>
             <a:fld id="{200DA21B-7E00-491C-916E-51F5411D212D}" type="datetimeFigureOut">
               <a:rPr lang="en-CA" smtClean="0"/>
-              <a:t>2024-11-26</a:t>
+              <a:t>2024-11-27</a:t>
             </a:fld>
             <a:endParaRPr lang="en-CA"/>
           </a:p>
@@ -1311,7 +1316,7 @@
           <a:p>
             <a:fld id="{200DA21B-7E00-491C-916E-51F5411D212D}" type="datetimeFigureOut">
               <a:rPr lang="en-CA" smtClean="0"/>
-              <a:t>2024-11-26</a:t>
+              <a:t>2024-11-27</a:t>
             </a:fld>
             <a:endParaRPr lang="en-CA"/>
           </a:p>
@@ -1587,7 +1592,7 @@
           <a:p>
             <a:fld id="{200DA21B-7E00-491C-916E-51F5411D212D}" type="datetimeFigureOut">
               <a:rPr lang="en-CA" smtClean="0"/>
-              <a:t>2024-11-26</a:t>
+              <a:t>2024-11-27</a:t>
             </a:fld>
             <a:endParaRPr lang="en-CA"/>
           </a:p>
@@ -1855,7 +1860,7 @@
           <a:p>
             <a:fld id="{200DA21B-7E00-491C-916E-51F5411D212D}" type="datetimeFigureOut">
               <a:rPr lang="en-CA" smtClean="0"/>
-              <a:t>2024-11-26</a:t>
+              <a:t>2024-11-27</a:t>
             </a:fld>
             <a:endParaRPr lang="en-CA"/>
           </a:p>
@@ -2270,7 +2275,7 @@
           <a:p>
             <a:fld id="{200DA21B-7E00-491C-916E-51F5411D212D}" type="datetimeFigureOut">
               <a:rPr lang="en-CA" smtClean="0"/>
-              <a:t>2024-11-26</a:t>
+              <a:t>2024-11-27</a:t>
             </a:fld>
             <a:endParaRPr lang="en-CA"/>
           </a:p>
@@ -2412,7 +2417,7 @@
           <a:p>
             <a:fld id="{200DA21B-7E00-491C-916E-51F5411D212D}" type="datetimeFigureOut">
               <a:rPr lang="en-CA" smtClean="0"/>
-              <a:t>2024-11-26</a:t>
+              <a:t>2024-11-27</a:t>
             </a:fld>
             <a:endParaRPr lang="en-CA"/>
           </a:p>
@@ -2525,7 +2530,7 @@
           <a:p>
             <a:fld id="{200DA21B-7E00-491C-916E-51F5411D212D}" type="datetimeFigureOut">
               <a:rPr lang="en-CA" smtClean="0"/>
-              <a:t>2024-11-26</a:t>
+              <a:t>2024-11-27</a:t>
             </a:fld>
             <a:endParaRPr lang="en-CA"/>
           </a:p>
@@ -2838,7 +2843,7 @@
           <a:p>
             <a:fld id="{200DA21B-7E00-491C-916E-51F5411D212D}" type="datetimeFigureOut">
               <a:rPr lang="en-CA" smtClean="0"/>
-              <a:t>2024-11-26</a:t>
+              <a:t>2024-11-27</a:t>
             </a:fld>
             <a:endParaRPr lang="en-CA"/>
           </a:p>
@@ -3127,7 +3132,7 @@
           <a:p>
             <a:fld id="{200DA21B-7E00-491C-916E-51F5411D212D}" type="datetimeFigureOut">
               <a:rPr lang="en-CA" smtClean="0"/>
-              <a:t>2024-11-26</a:t>
+              <a:t>2024-11-27</a:t>
             </a:fld>
             <a:endParaRPr lang="en-CA"/>
           </a:p>
@@ -3370,7 +3375,7 @@
           <a:p>
             <a:fld id="{200DA21B-7E00-491C-916E-51F5411D212D}" type="datetimeFigureOut">
               <a:rPr lang="en-CA" smtClean="0"/>
-              <a:t>2024-11-26</a:t>
+              <a:t>2024-11-27</a:t>
             </a:fld>
             <a:endParaRPr lang="en-CA"/>
           </a:p>
@@ -4020,7 +4025,7 @@
                   <a:schemeClr val="bg1"/>
                 </a:solidFill>
               </a:rPr>
-              <a:t>Weather condition in Tehran</a:t>
+              <a:t>Weather condition in Tehran 2023-2024</a:t>
             </a:r>
           </a:p>
         </p:txBody>
@@ -5195,6 +5200,24 @@
               <a:tabLst/>
             </a:pPr>
             <a:r>
+              <a:rPr lang="en-US" altLang="en-US" dirty="0">
+                <a:latin typeface="Arial" panose="020B0604020202020204" pitchFamily="34" charset="0"/>
+              </a:rPr>
+              <a:t>No </a:t>
+            </a:r>
+            <a:r>
+              <a:rPr lang="en-CA" dirty="0">
+                <a:latin typeface="Arial" panose="020B0604020202020204" pitchFamily="34" charset="0"/>
+              </a:rPr>
+              <a:t>no linear </a:t>
+            </a:r>
+            <a:r>
+              <a:rPr lang="en-US" altLang="en-US" dirty="0">
+                <a:latin typeface="Arial" panose="020B0604020202020204" pitchFamily="34" charset="0"/>
+              </a:rPr>
+              <a:t>correlation between </a:t>
+            </a:r>
+            <a:r>
               <a:rPr kumimoji="0" lang="en-US" altLang="en-US" sz="2800" b="0" i="0" u="none" strike="noStrike" cap="none" normalizeH="0" baseline="0" dirty="0">
                 <a:ln>
                   <a:noFill/>
@@ -5205,7 +5228,7 @@
                 <a:effectLst/>
                 <a:latin typeface="Arial" panose="020B0604020202020204" pitchFamily="34" charset="0"/>
               </a:rPr>
-              <a:t>No correlation between average temperature and precipitation.</a:t>
+              <a:t>average temperature and precipitation.</a:t>
             </a:r>
           </a:p>
           <a:p>
@@ -5226,6 +5249,12 @@
               <a:tabLst/>
             </a:pPr>
             <a:r>
+              <a:rPr lang="en-CA" dirty="0">
+                <a:latin typeface="Arial" panose="020B0604020202020204" pitchFamily="34" charset="0"/>
+              </a:rPr>
+              <a:t>Linear </a:t>
+            </a:r>
+            <a:r>
               <a:rPr kumimoji="0" lang="en-US" altLang="en-US" sz="2800" b="0" i="0" u="none" strike="noStrike" cap="none" normalizeH="0" baseline="0" dirty="0">
                 <a:ln>
                   <a:noFill/>
@@ -5236,7 +5265,7 @@
                 <a:effectLst/>
                 <a:latin typeface="Arial" panose="020B0604020202020204" pitchFamily="34" charset="0"/>
               </a:rPr>
-              <a:t>Correlation exists between wind speed and precipitation.</a:t>
+              <a:t>correlation exists between wind speed and precipitation.</a:t>
             </a:r>
           </a:p>
           <a:p>
@@ -5363,8 +5392,8 @@
         </p:blipFill>
         <p:spPr>
           <a:xfrm>
-            <a:off x="6306207" y="849917"/>
-            <a:ext cx="5675586" cy="3753712"/>
+            <a:off x="6096000" y="644509"/>
+            <a:ext cx="5837499" cy="3860798"/>
           </a:xfrm>
           <a:prstGeom prst="rect">
             <a:avLst/>
@@ -5393,8 +5422,8 @@
         </p:blipFill>
         <p:spPr>
           <a:xfrm>
-            <a:off x="-40907" y="742831"/>
-            <a:ext cx="6229223" cy="3860798"/>
+            <a:off x="-40907" y="742830"/>
+            <a:ext cx="6235230" cy="3864521"/>
           </a:xfrm>
           <a:prstGeom prst="rect">
             <a:avLst/>
@@ -5423,7 +5452,7 @@
         </p:blipFill>
         <p:spPr>
           <a:xfrm>
-            <a:off x="-40907" y="4603629"/>
+            <a:off x="2304091" y="4622799"/>
             <a:ext cx="6734175" cy="2254371"/>
           </a:xfrm>
           <a:prstGeom prst="rect">
@@ -5431,6 +5460,110 @@
           </a:prstGeom>
         </p:spPr>
       </p:pic>
+      <p:sp>
+        <p:nvSpPr>
+          <p:cNvPr id="3" name="Rectangle 2">
+            <a:extLst>
+              <a:ext uri="{FF2B5EF4-FFF2-40B4-BE49-F238E27FC236}">
+                <a16:creationId xmlns:a16="http://schemas.microsoft.com/office/drawing/2014/main" id="{D024AB3C-AFF9-7ED2-7D74-5891C3D5A3D1}"/>
+              </a:ext>
+            </a:extLst>
+          </p:cNvPr>
+          <p:cNvSpPr/>
+          <p:nvPr/>
+        </p:nvSpPr>
+        <p:spPr>
+          <a:xfrm>
+            <a:off x="3175821" y="5357968"/>
+            <a:ext cx="5024284" cy="113072"/>
+          </a:xfrm>
+          <a:prstGeom prst="rect">
+            <a:avLst/>
+          </a:prstGeom>
+          <a:noFill/>
+          <a:ln w="28575">
+            <a:solidFill>
+              <a:srgbClr val="0070C0"/>
+            </a:solidFill>
+          </a:ln>
+        </p:spPr>
+        <p:style>
+          <a:lnRef idx="2">
+            <a:schemeClr val="accent1">
+              <a:shade val="15000"/>
+            </a:schemeClr>
+          </a:lnRef>
+          <a:fillRef idx="1">
+            <a:schemeClr val="accent1"/>
+          </a:fillRef>
+          <a:effectRef idx="0">
+            <a:schemeClr val="accent1"/>
+          </a:effectRef>
+          <a:fontRef idx="minor">
+            <a:schemeClr val="lt1"/>
+          </a:fontRef>
+        </p:style>
+        <p:txBody>
+          <a:bodyPr rtlCol="0" anchor="ctr"/>
+          <a:lstStyle/>
+          <a:p>
+            <a:pPr algn="ctr"/>
+            <a:endParaRPr lang="en-CA"/>
+          </a:p>
+        </p:txBody>
+      </p:sp>
+      <p:sp>
+        <p:nvSpPr>
+          <p:cNvPr id="4" name="Rectangle 3">
+            <a:extLst>
+              <a:ext uri="{FF2B5EF4-FFF2-40B4-BE49-F238E27FC236}">
+                <a16:creationId xmlns:a16="http://schemas.microsoft.com/office/drawing/2014/main" id="{8FD8E676-6D9B-2B6B-AD7E-3657B0C0821F}"/>
+              </a:ext>
+            </a:extLst>
+          </p:cNvPr>
+          <p:cNvSpPr/>
+          <p:nvPr/>
+        </p:nvSpPr>
+        <p:spPr>
+          <a:xfrm>
+            <a:off x="3165989" y="6004497"/>
+            <a:ext cx="5024284" cy="113072"/>
+          </a:xfrm>
+          <a:prstGeom prst="rect">
+            <a:avLst/>
+          </a:prstGeom>
+          <a:noFill/>
+          <a:ln w="28575">
+            <a:solidFill>
+              <a:srgbClr val="FF0000"/>
+            </a:solidFill>
+          </a:ln>
+        </p:spPr>
+        <p:style>
+          <a:lnRef idx="2">
+            <a:schemeClr val="accent1">
+              <a:shade val="15000"/>
+            </a:schemeClr>
+          </a:lnRef>
+          <a:fillRef idx="1">
+            <a:schemeClr val="accent1"/>
+          </a:fillRef>
+          <a:effectRef idx="0">
+            <a:schemeClr val="accent1"/>
+          </a:effectRef>
+          <a:fontRef idx="minor">
+            <a:schemeClr val="lt1"/>
+          </a:fontRef>
+        </p:style>
+        <p:txBody>
+          <a:bodyPr rtlCol="0" anchor="ctr"/>
+          <a:lstStyle/>
+          <a:p>
+            <a:pPr algn="ctr"/>
+            <a:endParaRPr lang="en-CA"/>
+          </a:p>
+        </p:txBody>
+      </p:sp>
     </p:spTree>
     <p:extLst>
       <p:ext uri="{BB962C8B-B14F-4D97-AF65-F5344CB8AC3E}">
@@ -5487,8 +5620,8 @@
         </p:nvSpPr>
         <p:spPr>
           <a:xfrm>
-            <a:off x="56677" y="0"/>
-            <a:ext cx="5073661" cy="2387600"/>
+            <a:off x="-61310" y="107896"/>
+            <a:ext cx="4564484" cy="1944162"/>
           </a:xfrm>
         </p:spPr>
         <p:txBody>
@@ -5522,8 +5655,8 @@
         </p:nvSpPr>
         <p:spPr>
           <a:xfrm>
-            <a:off x="342617" y="1583306"/>
-            <a:ext cx="6096000" cy="369332"/>
+            <a:off x="342617" y="2168242"/>
+            <a:ext cx="4160557" cy="646331"/>
           </a:xfrm>
           <a:prstGeom prst="rect">
             <a:avLst/>
@@ -5578,8 +5711,8 @@
         </p:blipFill>
         <p:spPr>
           <a:xfrm>
-            <a:off x="5082718" y="0"/>
-            <a:ext cx="6612994" cy="4049486"/>
+            <a:off x="3689592" y="358886"/>
+            <a:ext cx="8445731" cy="5171768"/>
           </a:xfrm>
           <a:prstGeom prst="rect">
             <a:avLst/>
@@ -5608,8 +5741,8 @@
         </p:blipFill>
         <p:spPr>
           <a:xfrm>
-            <a:off x="56677" y="3370944"/>
-            <a:ext cx="5451494" cy="3379160"/>
+            <a:off x="56677" y="4207212"/>
+            <a:ext cx="4102368" cy="2542892"/>
           </a:xfrm>
           <a:prstGeom prst="rect">
             <a:avLst/>
@@ -5644,8 +5777,8 @@
         </p:blipFill>
         <p:spPr>
           <a:xfrm>
-            <a:off x="364464" y="2024743"/>
-            <a:ext cx="4458086" cy="1143099"/>
+            <a:off x="229676" y="3050879"/>
+            <a:ext cx="3588104" cy="920027"/>
           </a:xfrm>
           <a:prstGeom prst="rect">
             <a:avLst/>
@@ -5897,7 +6030,7 @@
         <p:spPr>
           <a:xfrm>
             <a:off x="649144" y="0"/>
-            <a:ext cx="9300399" cy="5854950"/>
+            <a:ext cx="10874262" cy="6845756"/>
           </a:xfrm>
           <a:prstGeom prst="rect">
             <a:avLst/>
@@ -5932,7 +6065,7 @@
         </p:blipFill>
         <p:spPr>
           <a:xfrm>
-            <a:off x="8390089" y="3254046"/>
+            <a:off x="8694889" y="4021178"/>
             <a:ext cx="3497111" cy="571580"/>
           </a:xfrm>
           <a:prstGeom prst="rect">
@@ -5970,31 +6103,6 @@
           <a:chExt cx="0" cy="0"/>
         </a:xfrm>
       </p:grpSpPr>
-      <p:sp>
-        <p:nvSpPr>
-          <p:cNvPr id="2" name="Title 1">
-            <a:extLst>
-              <a:ext uri="{FF2B5EF4-FFF2-40B4-BE49-F238E27FC236}">
-                <a16:creationId xmlns:a16="http://schemas.microsoft.com/office/drawing/2014/main" id="{17DDFD08-88B7-E180-C636-0DD021D34E99}"/>
-              </a:ext>
-            </a:extLst>
-          </p:cNvPr>
-          <p:cNvSpPr>
-            <a:spLocks noGrp="1"/>
-          </p:cNvSpPr>
-          <p:nvPr>
-            <p:ph type="title"/>
-          </p:nvPr>
-        </p:nvSpPr>
-        <p:spPr/>
-        <p:txBody>
-          <a:bodyPr/>
-          <a:lstStyle/>
-          <a:p>
-            <a:endParaRPr lang="en-CA"/>
-          </a:p>
-        </p:txBody>
-      </p:sp>
       <p:pic>
         <p:nvPicPr>
           <p:cNvPr id="20" name="Picture 19">
@@ -6017,7 +6125,7 @@
         </p:blipFill>
         <p:spPr>
           <a:xfrm>
-            <a:off x="190032" y="0"/>
+            <a:off x="157563" y="1524000"/>
             <a:ext cx="6562187" cy="3810000"/>
           </a:xfrm>
           <a:prstGeom prst="rect">
@@ -6077,7 +6185,7 @@
         </p:blipFill>
         <p:spPr>
           <a:xfrm>
-            <a:off x="6752219" y="3551442"/>
+            <a:off x="6899176" y="3654425"/>
             <a:ext cx="4307667" cy="3200160"/>
           </a:xfrm>
           <a:prstGeom prst="rect">
@@ -6246,7 +6354,7 @@
           <a:p>
             <a:r>
               <a:rPr lang="en-CA" sz="1800" dirty="0"/>
-              <a:t>Tehran is quite a hot city!</a:t>
+              <a:t>Tehran is quite a dry and hot city!</a:t>
             </a:r>
           </a:p>
           <a:p>
@@ -6283,7 +6391,7 @@
         </p:blipFill>
         <p:spPr bwMode="auto">
           <a:xfrm>
-            <a:off x="7013802" y="4623925"/>
+            <a:off x="7806351" y="4633757"/>
             <a:ext cx="320674" cy="315939"/>
           </a:xfrm>
           <a:prstGeom prst="rect">

--- a/Presentation_finalproject_MH_Nov2024.pptx
+++ b/Presentation_finalproject_MH_Nov2024.pptx
@@ -205,7 +205,7 @@
           <a:p>
             <a:fld id="{0D759FBC-5BB3-4C83-B4F0-0DBF01B843E1}" type="datetimeFigureOut">
               <a:rPr lang="en-CA" smtClean="0"/>
-              <a:t>2024-11-27</a:t>
+              <a:t>2024-11-28</a:t>
             </a:fld>
             <a:endParaRPr lang="en-CA"/>
           </a:p>
@@ -557,6 +557,174 @@
 </p:notes>
 </file>
 
+<file path=ppt/notesSlides/notesSlide2.xml><?xml version="1.0" encoding="utf-8"?>
+<p:notes xmlns:a="http://schemas.openxmlformats.org/drawingml/2006/main" xmlns:r="http://schemas.openxmlformats.org/officeDocument/2006/relationships" xmlns:p="http://schemas.openxmlformats.org/presentationml/2006/main">
+  <p:cSld>
+    <p:spTree>
+      <p:nvGrpSpPr>
+        <p:cNvPr id="1" name=""/>
+        <p:cNvGrpSpPr/>
+        <p:nvPr/>
+      </p:nvGrpSpPr>
+      <p:grpSpPr>
+        <a:xfrm>
+          <a:off x="0" y="0"/>
+          <a:ext cx="0" cy="0"/>
+          <a:chOff x="0" y="0"/>
+          <a:chExt cx="0" cy="0"/>
+        </a:xfrm>
+      </p:grpSpPr>
+      <p:sp>
+        <p:nvSpPr>
+          <p:cNvPr id="2" name="Slide Image Placeholder 1"/>
+          <p:cNvSpPr>
+            <a:spLocks noGrp="1" noRot="1" noChangeAspect="1"/>
+          </p:cNvSpPr>
+          <p:nvPr>
+            <p:ph type="sldImg"/>
+          </p:nvPr>
+        </p:nvSpPr>
+        <p:spPr/>
+      </p:sp>
+      <p:sp>
+        <p:nvSpPr>
+          <p:cNvPr id="3" name="Notes Placeholder 2"/>
+          <p:cNvSpPr>
+            <a:spLocks noGrp="1"/>
+          </p:cNvSpPr>
+          <p:nvPr>
+            <p:ph type="body" idx="1"/>
+          </p:nvPr>
+        </p:nvSpPr>
+        <p:spPr/>
+        <p:txBody>
+          <a:bodyPr/>
+          <a:lstStyle/>
+          <a:p>
+            <a:endParaRPr lang="en-CA" dirty="0"/>
+          </a:p>
+        </p:txBody>
+      </p:sp>
+      <p:sp>
+        <p:nvSpPr>
+          <p:cNvPr id="4" name="Slide Number Placeholder 3"/>
+          <p:cNvSpPr>
+            <a:spLocks noGrp="1"/>
+          </p:cNvSpPr>
+          <p:nvPr>
+            <p:ph type="sldNum" sz="quarter" idx="5"/>
+          </p:nvPr>
+        </p:nvSpPr>
+        <p:spPr/>
+        <p:txBody>
+          <a:bodyPr/>
+          <a:lstStyle/>
+          <a:p>
+            <a:fld id="{22ED635B-D860-4536-A8C0-0FD6FE55315D}" type="slidenum">
+              <a:rPr lang="en-CA" smtClean="0"/>
+              <a:t>7</a:t>
+            </a:fld>
+            <a:endParaRPr lang="en-CA"/>
+          </a:p>
+        </p:txBody>
+      </p:sp>
+    </p:spTree>
+    <p:extLst>
+      <p:ext uri="{BB962C8B-B14F-4D97-AF65-F5344CB8AC3E}">
+        <p14:creationId xmlns:p14="http://schemas.microsoft.com/office/powerpoint/2010/main" val="279969577"/>
+      </p:ext>
+    </p:extLst>
+  </p:cSld>
+  <p:clrMapOvr>
+    <a:masterClrMapping/>
+  </p:clrMapOvr>
+</p:notes>
+</file>
+
+<file path=ppt/notesSlides/notesSlide3.xml><?xml version="1.0" encoding="utf-8"?>
+<p:notes xmlns:a="http://schemas.openxmlformats.org/drawingml/2006/main" xmlns:r="http://schemas.openxmlformats.org/officeDocument/2006/relationships" xmlns:p="http://schemas.openxmlformats.org/presentationml/2006/main">
+  <p:cSld>
+    <p:spTree>
+      <p:nvGrpSpPr>
+        <p:cNvPr id="1" name=""/>
+        <p:cNvGrpSpPr/>
+        <p:nvPr/>
+      </p:nvGrpSpPr>
+      <p:grpSpPr>
+        <a:xfrm>
+          <a:off x="0" y="0"/>
+          <a:ext cx="0" cy="0"/>
+          <a:chOff x="0" y="0"/>
+          <a:chExt cx="0" cy="0"/>
+        </a:xfrm>
+      </p:grpSpPr>
+      <p:sp>
+        <p:nvSpPr>
+          <p:cNvPr id="2" name="Slide Image Placeholder 1"/>
+          <p:cNvSpPr>
+            <a:spLocks noGrp="1" noRot="1" noChangeAspect="1"/>
+          </p:cNvSpPr>
+          <p:nvPr>
+            <p:ph type="sldImg"/>
+          </p:nvPr>
+        </p:nvSpPr>
+        <p:spPr/>
+      </p:sp>
+      <p:sp>
+        <p:nvSpPr>
+          <p:cNvPr id="3" name="Notes Placeholder 2"/>
+          <p:cNvSpPr>
+            <a:spLocks noGrp="1"/>
+          </p:cNvSpPr>
+          <p:nvPr>
+            <p:ph type="body" idx="1"/>
+          </p:nvPr>
+        </p:nvSpPr>
+        <p:spPr/>
+        <p:txBody>
+          <a:bodyPr/>
+          <a:lstStyle/>
+          <a:p>
+            <a:endParaRPr lang="en-CA" dirty="0"/>
+          </a:p>
+        </p:txBody>
+      </p:sp>
+      <p:sp>
+        <p:nvSpPr>
+          <p:cNvPr id="4" name="Slide Number Placeholder 3"/>
+          <p:cNvSpPr>
+            <a:spLocks noGrp="1"/>
+          </p:cNvSpPr>
+          <p:nvPr>
+            <p:ph type="sldNum" sz="quarter" idx="5"/>
+          </p:nvPr>
+        </p:nvSpPr>
+        <p:spPr/>
+        <p:txBody>
+          <a:bodyPr/>
+          <a:lstStyle/>
+          <a:p>
+            <a:fld id="{22ED635B-D860-4536-A8C0-0FD6FE55315D}" type="slidenum">
+              <a:rPr lang="en-CA" smtClean="0"/>
+              <a:t>8</a:t>
+            </a:fld>
+            <a:endParaRPr lang="en-CA"/>
+          </a:p>
+        </p:txBody>
+      </p:sp>
+    </p:spTree>
+    <p:extLst>
+      <p:ext uri="{BB962C8B-B14F-4D97-AF65-F5344CB8AC3E}">
+        <p14:creationId xmlns:p14="http://schemas.microsoft.com/office/powerpoint/2010/main" val="951283112"/>
+      </p:ext>
+    </p:extLst>
+  </p:cSld>
+  <p:clrMapOvr>
+    <a:masterClrMapping/>
+  </p:clrMapOvr>
+</p:notes>
+</file>
+
 <file path=ppt/slideLayouts/slideLayout1.xml><?xml version="1.0" encoding="utf-8"?>
 <p:sldLayout xmlns:a="http://schemas.openxmlformats.org/drawingml/2006/main" xmlns:r="http://schemas.openxmlformats.org/officeDocument/2006/relationships" xmlns:p="http://schemas.openxmlformats.org/presentationml/2006/main" type="title" preserve="1">
   <p:cSld name="Title Slide">
@@ -706,7 +874,7 @@
           <a:p>
             <a:fld id="{200DA21B-7E00-491C-916E-51F5411D212D}" type="datetimeFigureOut">
               <a:rPr lang="en-CA" smtClean="0"/>
-              <a:t>2024-11-27</a:t>
+              <a:t>2024-11-28</a:t>
             </a:fld>
             <a:endParaRPr lang="en-CA"/>
           </a:p>
@@ -906,7 +1074,7 @@
           <a:p>
             <a:fld id="{200DA21B-7E00-491C-916E-51F5411D212D}" type="datetimeFigureOut">
               <a:rPr lang="en-CA" smtClean="0"/>
-              <a:t>2024-11-27</a:t>
+              <a:t>2024-11-28</a:t>
             </a:fld>
             <a:endParaRPr lang="en-CA"/>
           </a:p>
@@ -1116,7 +1284,7 @@
           <a:p>
             <a:fld id="{200DA21B-7E00-491C-916E-51F5411D212D}" type="datetimeFigureOut">
               <a:rPr lang="en-CA" smtClean="0"/>
-              <a:t>2024-11-27</a:t>
+              <a:t>2024-11-28</a:t>
             </a:fld>
             <a:endParaRPr lang="en-CA"/>
           </a:p>
@@ -1316,7 +1484,7 @@
           <a:p>
             <a:fld id="{200DA21B-7E00-491C-916E-51F5411D212D}" type="datetimeFigureOut">
               <a:rPr lang="en-CA" smtClean="0"/>
-              <a:t>2024-11-27</a:t>
+              <a:t>2024-11-28</a:t>
             </a:fld>
             <a:endParaRPr lang="en-CA"/>
           </a:p>
@@ -1592,7 +1760,7 @@
           <a:p>
             <a:fld id="{200DA21B-7E00-491C-916E-51F5411D212D}" type="datetimeFigureOut">
               <a:rPr lang="en-CA" smtClean="0"/>
-              <a:t>2024-11-27</a:t>
+              <a:t>2024-11-28</a:t>
             </a:fld>
             <a:endParaRPr lang="en-CA"/>
           </a:p>
@@ -1860,7 +2028,7 @@
           <a:p>
             <a:fld id="{200DA21B-7E00-491C-916E-51F5411D212D}" type="datetimeFigureOut">
               <a:rPr lang="en-CA" smtClean="0"/>
-              <a:t>2024-11-27</a:t>
+              <a:t>2024-11-28</a:t>
             </a:fld>
             <a:endParaRPr lang="en-CA"/>
           </a:p>
@@ -2275,7 +2443,7 @@
           <a:p>
             <a:fld id="{200DA21B-7E00-491C-916E-51F5411D212D}" type="datetimeFigureOut">
               <a:rPr lang="en-CA" smtClean="0"/>
-              <a:t>2024-11-27</a:t>
+              <a:t>2024-11-28</a:t>
             </a:fld>
             <a:endParaRPr lang="en-CA"/>
           </a:p>
@@ -2417,7 +2585,7 @@
           <a:p>
             <a:fld id="{200DA21B-7E00-491C-916E-51F5411D212D}" type="datetimeFigureOut">
               <a:rPr lang="en-CA" smtClean="0"/>
-              <a:t>2024-11-27</a:t>
+              <a:t>2024-11-28</a:t>
             </a:fld>
             <a:endParaRPr lang="en-CA"/>
           </a:p>
@@ -2530,7 +2698,7 @@
           <a:p>
             <a:fld id="{200DA21B-7E00-491C-916E-51F5411D212D}" type="datetimeFigureOut">
               <a:rPr lang="en-CA" smtClean="0"/>
-              <a:t>2024-11-27</a:t>
+              <a:t>2024-11-28</a:t>
             </a:fld>
             <a:endParaRPr lang="en-CA"/>
           </a:p>
@@ -2843,7 +3011,7 @@
           <a:p>
             <a:fld id="{200DA21B-7E00-491C-916E-51F5411D212D}" type="datetimeFigureOut">
               <a:rPr lang="en-CA" smtClean="0"/>
-              <a:t>2024-11-27</a:t>
+              <a:t>2024-11-28</a:t>
             </a:fld>
             <a:endParaRPr lang="en-CA"/>
           </a:p>
@@ -3132,7 +3300,7 @@
           <a:p>
             <a:fld id="{200DA21B-7E00-491C-916E-51F5411D212D}" type="datetimeFigureOut">
               <a:rPr lang="en-CA" smtClean="0"/>
-              <a:t>2024-11-27</a:t>
+              <a:t>2024-11-28</a:t>
             </a:fld>
             <a:endParaRPr lang="en-CA"/>
           </a:p>
@@ -3375,7 +3543,7 @@
           <a:p>
             <a:fld id="{200DA21B-7E00-491C-916E-51F5411D212D}" type="datetimeFigureOut">
               <a:rPr lang="en-CA" smtClean="0"/>
-              <a:t>2024-11-27</a:t>
+              <a:t>2024-11-28</a:t>
             </a:fld>
             <a:endParaRPr lang="en-CA"/>
           </a:p>
@@ -4060,7 +4228,7 @@
           <a:p>
             <a:pPr algn="l"/>
             <a:r>
-              <a:rPr lang="en-CA" sz="1900">
+              <a:rPr lang="en-CA" sz="1900" dirty="0">
                 <a:solidFill>
                   <a:schemeClr val="bg1"/>
                 </a:solidFill>
@@ -4071,7 +4239,7 @@
           <a:p>
             <a:pPr algn="l"/>
             <a:r>
-              <a:rPr lang="en-CA" sz="1900">
+              <a:rPr lang="en-CA" sz="1900" dirty="0">
                 <a:solidFill>
                   <a:schemeClr val="bg1"/>
                 </a:solidFill>
@@ -4082,7 +4250,7 @@
           <a:p>
             <a:pPr algn="l"/>
             <a:r>
-              <a:rPr lang="en-US" sz="1900" b="0" i="0">
+              <a:rPr lang="en-US" sz="1400" b="0" i="0" dirty="0">
                 <a:solidFill>
                   <a:schemeClr val="bg1"/>
                 </a:solidFill>
@@ -4092,7 +4260,7 @@
               <a:t>Computer Based Research Tools and Applications</a:t>
             </a:r>
             <a:br>
-              <a:rPr lang="en-US" sz="1900" b="0" i="0">
+              <a:rPr lang="en-US" sz="1400" b="0" i="0" dirty="0">
                 <a:solidFill>
                   <a:schemeClr val="bg1"/>
                 </a:solidFill>
@@ -4101,7 +4269,7 @@
               </a:rPr>
             </a:br>
             <a:r>
-              <a:rPr lang="en-CA" sz="1900">
+              <a:rPr lang="en-CA" sz="1400" dirty="0">
                 <a:solidFill>
                   <a:schemeClr val="bg1"/>
                 </a:solidFill>
@@ -4398,8 +4566,8 @@
         </p:nvSpPr>
         <p:spPr bwMode="auto">
           <a:xfrm>
-            <a:off x="7758548" y="882787"/>
-            <a:ext cx="4276136" cy="4708981"/>
+            <a:off x="7580671" y="1067452"/>
+            <a:ext cx="4454013" cy="4339650"/>
           </a:xfrm>
           <a:prstGeom prst="rect">
             <a:avLst/>
@@ -4474,7 +4642,38 @@
                 <a:effectLst/>
                 <a:latin typeface="Arial" panose="020B0604020202020204" pitchFamily="34" charset="0"/>
               </a:rPr>
-              <a:t>Weather Data Overview (1 October 2023 – 30 September 2024)</a:t>
+              <a:t>Weather Data Overview </a:t>
+            </a:r>
+          </a:p>
+          <a:p>
+            <a:pPr marL="0" marR="0" lvl="0" indent="0" algn="l" defTabSz="914400" rtl="0" eaLnBrk="0" fontAlgn="base" latinLnBrk="0" hangingPunct="0">
+              <a:lnSpc>
+                <a:spcPct val="100000"/>
+              </a:lnSpc>
+              <a:spcBef>
+                <a:spcPct val="0"/>
+              </a:spcBef>
+              <a:spcAft>
+                <a:spcPct val="0"/>
+              </a:spcAft>
+              <a:buClrTx/>
+              <a:buSzTx/>
+              <a:buFontTx/>
+              <a:buNone/>
+              <a:tabLst/>
+            </a:pPr>
+            <a:r>
+              <a:rPr kumimoji="0" lang="en-US" altLang="en-US" sz="1600" b="1" i="0" u="none" strike="noStrike" cap="none" normalizeH="0" baseline="0" dirty="0">
+                <a:ln>
+                  <a:noFill/>
+                </a:ln>
+                <a:solidFill>
+                  <a:schemeClr val="tx1"/>
+                </a:solidFill>
+                <a:effectLst/>
+                <a:latin typeface="Arial" panose="020B0604020202020204" pitchFamily="34" charset="0"/>
+              </a:rPr>
+              <a:t>(1 October 2023 – 30 September 2024)</a:t>
             </a:r>
           </a:p>
           <a:p>
@@ -5641,54 +5840,6 @@
           </a:p>
         </p:txBody>
       </p:sp>
-      <p:sp>
-        <p:nvSpPr>
-          <p:cNvPr id="9" name="TextBox 8">
-            <a:extLst>
-              <a:ext uri="{FF2B5EF4-FFF2-40B4-BE49-F238E27FC236}">
-                <a16:creationId xmlns:a16="http://schemas.microsoft.com/office/drawing/2014/main" id="{E0C87EF0-4172-B3BE-8006-FEE6BDA58C54}"/>
-              </a:ext>
-            </a:extLst>
-          </p:cNvPr>
-          <p:cNvSpPr txBox="1"/>
-          <p:nvPr/>
-        </p:nvSpPr>
-        <p:spPr>
-          <a:xfrm>
-            <a:off x="342617" y="2168242"/>
-            <a:ext cx="4160557" cy="646331"/>
-          </a:xfrm>
-          <a:prstGeom prst="rect">
-            <a:avLst/>
-          </a:prstGeom>
-          <a:noFill/>
-        </p:spPr>
-        <p:txBody>
-          <a:bodyPr wrap="square">
-            <a:spAutoFit/>
-          </a:bodyPr>
-          <a:lstStyle/>
-          <a:p>
-            <a:r>
-              <a:rPr lang="en-US" b="0" dirty="0">
-                <a:solidFill>
-                  <a:srgbClr val="515151"/>
-                </a:solidFill>
-                <a:effectLst/>
-                <a:latin typeface="Consolas" panose="020B0609020204030204" pitchFamily="49" charset="0"/>
-              </a:rPr>
-              <a:t>Calculate Z-Score and IQR outliers</a:t>
-            </a:r>
-            <a:endParaRPr lang="en-US" b="0" dirty="0">
-              <a:solidFill>
-                <a:srgbClr val="292929"/>
-              </a:solidFill>
-              <a:effectLst/>
-              <a:latin typeface="Consolas" panose="020B0609020204030204" pitchFamily="49" charset="0"/>
-            </a:endParaRPr>
-          </a:p>
-        </p:txBody>
-      </p:sp>
       <p:pic>
         <p:nvPicPr>
           <p:cNvPr id="13" name="Picture 12">
@@ -5711,8 +5862,8 @@
         </p:blipFill>
         <p:spPr>
           <a:xfrm>
-            <a:off x="3689592" y="358886"/>
-            <a:ext cx="8445731" cy="5171768"/>
+            <a:off x="3746090" y="358886"/>
+            <a:ext cx="8389233" cy="5137171"/>
           </a:xfrm>
           <a:prstGeom prst="rect">
             <a:avLst/>
@@ -5741,7 +5892,7 @@
         </p:blipFill>
         <p:spPr>
           <a:xfrm>
-            <a:off x="56677" y="4207212"/>
+            <a:off x="56677" y="4292339"/>
             <a:ext cx="4102368" cy="2542892"/>
           </a:xfrm>
           <a:prstGeom prst="rect">
@@ -5749,42 +5900,896 @@
           </a:prstGeom>
         </p:spPr>
       </p:pic>
-      <p:pic>
-        <p:nvPicPr>
-          <p:cNvPr id="20" name="Picture 19" descr="A close up of text&#10;&#10;Description automatically generated">
-            <a:extLst>
-              <a:ext uri="{FF2B5EF4-FFF2-40B4-BE49-F238E27FC236}">
-                <a16:creationId xmlns:a16="http://schemas.microsoft.com/office/drawing/2014/main" id="{A049DECB-CB26-D2B8-AFBC-D6BDBF802388}"/>
-              </a:ext>
-            </a:extLst>
-          </p:cNvPr>
-          <p:cNvPicPr>
-            <a:picLocks noChangeAspect="1"/>
-          </p:cNvPicPr>
+      <p:graphicFrame>
+        <p:nvGraphicFramePr>
+          <p:cNvPr id="3" name="Table 2">
+            <a:extLst>
+              <a:ext uri="{FF2B5EF4-FFF2-40B4-BE49-F238E27FC236}">
+                <a16:creationId xmlns:a16="http://schemas.microsoft.com/office/drawing/2014/main" id="{4F5E0B8F-91CD-8ADD-571F-C70D1C10FF00}"/>
+              </a:ext>
+            </a:extLst>
+          </p:cNvPr>
+          <p:cNvGraphicFramePr>
+            <a:graphicFrameLocks noGrp="1"/>
+          </p:cNvGraphicFramePr>
+          <p:nvPr>
+            <p:extLst>
+              <p:ext uri="{D42A27DB-BD31-4B8C-83A1-F6EECF244321}">
+                <p14:modId xmlns:p14="http://schemas.microsoft.com/office/powerpoint/2010/main" val="2219945016"/>
+              </p:ext>
+            </p:extLst>
+          </p:nvPr>
+        </p:nvGraphicFramePr>
+        <p:xfrm>
+          <a:off x="157387" y="2707068"/>
+          <a:ext cx="3802626" cy="1443863"/>
+        </p:xfrm>
+        <a:graphic>
+          <a:graphicData uri="http://schemas.openxmlformats.org/drawingml/2006/table">
+            <a:tbl>
+              <a:tblPr firstRow="1" firstCol="1" bandRow="1">
+                <a:tableStyleId>{C083E6E3-FA7D-4D7B-A595-EF9225AFEA82}</a:tableStyleId>
+              </a:tblPr>
+              <a:tblGrid>
+                <a:gridCol w="892277">
+                  <a:extLst>
+                    <a:ext uri="{9D8B030D-6E8A-4147-A177-3AD203B41FA5}">
+                      <a16:colId xmlns:a16="http://schemas.microsoft.com/office/drawing/2014/main" val="215806048"/>
+                    </a:ext>
+                  </a:extLst>
+                </a:gridCol>
+                <a:gridCol w="1642807">
+                  <a:extLst>
+                    <a:ext uri="{9D8B030D-6E8A-4147-A177-3AD203B41FA5}">
+                      <a16:colId xmlns:a16="http://schemas.microsoft.com/office/drawing/2014/main" val="1061842962"/>
+                    </a:ext>
+                  </a:extLst>
+                </a:gridCol>
+                <a:gridCol w="1267542">
+                  <a:extLst>
+                    <a:ext uri="{9D8B030D-6E8A-4147-A177-3AD203B41FA5}">
+                      <a16:colId xmlns:a16="http://schemas.microsoft.com/office/drawing/2014/main" val="961254590"/>
+                    </a:ext>
+                  </a:extLst>
+                </a:gridCol>
+              </a:tblGrid>
+              <a:tr h="195934">
+                <a:tc>
+                  <a:txBody>
+                    <a:bodyPr/>
+                    <a:lstStyle/>
+                    <a:p>
+                      <a:pPr indent="71755" algn="ctr">
+                        <a:lnSpc>
+                          <a:spcPct val="107000"/>
+                        </a:lnSpc>
+                        <a:spcAft>
+                          <a:spcPts val="800"/>
+                        </a:spcAft>
+                      </a:pPr>
+                      <a:r>
+                        <a:rPr lang="en-CA" sz="1200" kern="100" dirty="0">
+                          <a:effectLst/>
+                        </a:rPr>
+                        <a:t>Season</a:t>
+                      </a:r>
+                      <a:endParaRPr lang="en-CA" sz="1100" kern="100" dirty="0">
+                        <a:effectLst/>
+                        <a:latin typeface="Aptos" panose="020B0004020202020204" pitchFamily="34" charset="0"/>
+                        <a:ea typeface="Aptos" panose="020B0004020202020204" pitchFamily="34" charset="0"/>
+                        <a:cs typeface="Arial" panose="020B0604020202020204" pitchFamily="34" charset="0"/>
+                      </a:endParaRPr>
+                    </a:p>
+                  </a:txBody>
+                  <a:tcPr marL="9525" marR="9525" marT="9525" marB="9525" anchor="ctr"/>
+                </a:tc>
+                <a:tc>
+                  <a:txBody>
+                    <a:bodyPr/>
+                    <a:lstStyle/>
+                    <a:p>
+                      <a:pPr indent="71755" algn="ctr">
+                        <a:lnSpc>
+                          <a:spcPct val="107000"/>
+                        </a:lnSpc>
+                        <a:spcAft>
+                          <a:spcPts val="800"/>
+                        </a:spcAft>
+                      </a:pPr>
+                      <a:r>
+                        <a:rPr lang="en-CA" sz="1200" kern="100" dirty="0">
+                          <a:effectLst/>
+                        </a:rPr>
+                        <a:t>Number of Outliers Removed</a:t>
+                      </a:r>
+                      <a:endParaRPr lang="en-CA" sz="1100" kern="100" dirty="0">
+                        <a:effectLst/>
+                        <a:latin typeface="Aptos" panose="020B0004020202020204" pitchFamily="34" charset="0"/>
+                        <a:ea typeface="Aptos" panose="020B0004020202020204" pitchFamily="34" charset="0"/>
+                        <a:cs typeface="Arial" panose="020B0604020202020204" pitchFamily="34" charset="0"/>
+                      </a:endParaRPr>
+                    </a:p>
+                  </a:txBody>
+                  <a:tcPr marL="9525" marR="9525" marT="9525" marB="9525" anchor="ctr"/>
+                </a:tc>
+                <a:tc>
+                  <a:txBody>
+                    <a:bodyPr/>
+                    <a:lstStyle/>
+                    <a:p>
+                      <a:pPr indent="71755" algn="ctr">
+                        <a:lnSpc>
+                          <a:spcPct val="107000"/>
+                        </a:lnSpc>
+                        <a:spcAft>
+                          <a:spcPts val="800"/>
+                        </a:spcAft>
+                      </a:pPr>
+                      <a:r>
+                        <a:rPr lang="en-CA" sz="1200" kern="100" dirty="0">
+                          <a:effectLst/>
+                        </a:rPr>
+                        <a:t>Percentage of Data Removed</a:t>
+                      </a:r>
+                      <a:endParaRPr lang="en-CA" sz="1100" kern="100" dirty="0">
+                        <a:effectLst/>
+                        <a:latin typeface="Aptos" panose="020B0004020202020204" pitchFamily="34" charset="0"/>
+                        <a:ea typeface="Aptos" panose="020B0004020202020204" pitchFamily="34" charset="0"/>
+                        <a:cs typeface="Arial" panose="020B0604020202020204" pitchFamily="34" charset="0"/>
+                      </a:endParaRPr>
+                    </a:p>
+                  </a:txBody>
+                  <a:tcPr marL="9525" marR="9525" marT="9525" marB="9525" anchor="ctr"/>
+                </a:tc>
+                <a:extLst>
+                  <a:ext uri="{0D108BD9-81ED-4DB2-BD59-A6C34878D82A}">
+                    <a16:rowId xmlns:a16="http://schemas.microsoft.com/office/drawing/2014/main" val="2022583813"/>
+                  </a:ext>
+                </a:extLst>
+              </a:tr>
+              <a:tr h="195934">
+                <a:tc>
+                  <a:txBody>
+                    <a:bodyPr/>
+                    <a:lstStyle/>
+                    <a:p>
+                      <a:pPr indent="71755" algn="justLow">
+                        <a:lnSpc>
+                          <a:spcPct val="107000"/>
+                        </a:lnSpc>
+                        <a:spcAft>
+                          <a:spcPts val="800"/>
+                        </a:spcAft>
+                      </a:pPr>
+                      <a:r>
+                        <a:rPr lang="en-CA" sz="1200" kern="100" dirty="0">
+                          <a:effectLst/>
+                        </a:rPr>
+                        <a:t>Winter</a:t>
+                      </a:r>
+                      <a:endParaRPr lang="en-CA" sz="1100" kern="100" dirty="0">
+                        <a:effectLst/>
+                        <a:latin typeface="Aptos" panose="020B0004020202020204" pitchFamily="34" charset="0"/>
+                        <a:ea typeface="Aptos" panose="020B0004020202020204" pitchFamily="34" charset="0"/>
+                        <a:cs typeface="Arial" panose="020B0604020202020204" pitchFamily="34" charset="0"/>
+                      </a:endParaRPr>
+                    </a:p>
+                  </a:txBody>
+                  <a:tcPr marL="9525" marR="9525" marT="9525" marB="9525" anchor="ctr"/>
+                </a:tc>
+                <a:tc>
+                  <a:txBody>
+                    <a:bodyPr/>
+                    <a:lstStyle/>
+                    <a:p>
+                      <a:pPr indent="71755" algn="ctr">
+                        <a:lnSpc>
+                          <a:spcPct val="107000"/>
+                        </a:lnSpc>
+                        <a:spcAft>
+                          <a:spcPts val="800"/>
+                        </a:spcAft>
+                      </a:pPr>
+                      <a:r>
+                        <a:rPr lang="en-CA" sz="1200" kern="100">
+                          <a:effectLst/>
+                        </a:rPr>
+                        <a:t>17</a:t>
+                      </a:r>
+                      <a:endParaRPr lang="en-CA" sz="1100" kern="100">
+                        <a:effectLst/>
+                        <a:latin typeface="Aptos" panose="020B0004020202020204" pitchFamily="34" charset="0"/>
+                        <a:ea typeface="Aptos" panose="020B0004020202020204" pitchFamily="34" charset="0"/>
+                        <a:cs typeface="Arial" panose="020B0604020202020204" pitchFamily="34" charset="0"/>
+                      </a:endParaRPr>
+                    </a:p>
+                  </a:txBody>
+                  <a:tcPr marL="9525" marR="9525" marT="9525" marB="9525" anchor="ctr"/>
+                </a:tc>
+                <a:tc>
+                  <a:txBody>
+                    <a:bodyPr/>
+                    <a:lstStyle/>
+                    <a:p>
+                      <a:pPr indent="71755" algn="ctr">
+                        <a:lnSpc>
+                          <a:spcPct val="107000"/>
+                        </a:lnSpc>
+                        <a:spcAft>
+                          <a:spcPts val="800"/>
+                        </a:spcAft>
+                      </a:pPr>
+                      <a:r>
+                        <a:rPr lang="en-CA" sz="1200" kern="100" dirty="0">
+                          <a:effectLst/>
+                        </a:rPr>
+                        <a:t>18.68%</a:t>
+                      </a:r>
+                      <a:endParaRPr lang="en-CA" sz="1100" kern="100" dirty="0">
+                        <a:effectLst/>
+                        <a:latin typeface="Aptos" panose="020B0004020202020204" pitchFamily="34" charset="0"/>
+                        <a:ea typeface="Aptos" panose="020B0004020202020204" pitchFamily="34" charset="0"/>
+                        <a:cs typeface="Arial" panose="020B0604020202020204" pitchFamily="34" charset="0"/>
+                      </a:endParaRPr>
+                    </a:p>
+                  </a:txBody>
+                  <a:tcPr marL="9525" marR="9525" marT="9525" marB="9525" anchor="ctr"/>
+                </a:tc>
+                <a:extLst>
+                  <a:ext uri="{0D108BD9-81ED-4DB2-BD59-A6C34878D82A}">
+                    <a16:rowId xmlns:a16="http://schemas.microsoft.com/office/drawing/2014/main" val="3322566442"/>
+                  </a:ext>
+                </a:extLst>
+              </a:tr>
+              <a:tr h="195934">
+                <a:tc>
+                  <a:txBody>
+                    <a:bodyPr/>
+                    <a:lstStyle/>
+                    <a:p>
+                      <a:pPr indent="71755" algn="justLow">
+                        <a:lnSpc>
+                          <a:spcPct val="107000"/>
+                        </a:lnSpc>
+                        <a:spcAft>
+                          <a:spcPts val="800"/>
+                        </a:spcAft>
+                      </a:pPr>
+                      <a:r>
+                        <a:rPr lang="en-CA" sz="1200" kern="100" dirty="0">
+                          <a:effectLst/>
+                        </a:rPr>
+                        <a:t>Spring</a:t>
+                      </a:r>
+                      <a:endParaRPr lang="en-CA" sz="1100" kern="100" dirty="0">
+                        <a:effectLst/>
+                        <a:latin typeface="Aptos" panose="020B0004020202020204" pitchFamily="34" charset="0"/>
+                        <a:ea typeface="Aptos" panose="020B0004020202020204" pitchFamily="34" charset="0"/>
+                        <a:cs typeface="Arial" panose="020B0604020202020204" pitchFamily="34" charset="0"/>
+                      </a:endParaRPr>
+                    </a:p>
+                  </a:txBody>
+                  <a:tcPr marL="9525" marR="9525" marT="9525" marB="9525" anchor="ctr"/>
+                </a:tc>
+                <a:tc>
+                  <a:txBody>
+                    <a:bodyPr/>
+                    <a:lstStyle/>
+                    <a:p>
+                      <a:pPr indent="71755" algn="ctr">
+                        <a:lnSpc>
+                          <a:spcPct val="107000"/>
+                        </a:lnSpc>
+                        <a:spcAft>
+                          <a:spcPts val="800"/>
+                        </a:spcAft>
+                      </a:pPr>
+                      <a:r>
+                        <a:rPr lang="en-CA" sz="1200" kern="100">
+                          <a:effectLst/>
+                        </a:rPr>
+                        <a:t>18</a:t>
+                      </a:r>
+                      <a:endParaRPr lang="en-CA" sz="1100" kern="100">
+                        <a:effectLst/>
+                        <a:latin typeface="Aptos" panose="020B0004020202020204" pitchFamily="34" charset="0"/>
+                        <a:ea typeface="Aptos" panose="020B0004020202020204" pitchFamily="34" charset="0"/>
+                        <a:cs typeface="Arial" panose="020B0604020202020204" pitchFamily="34" charset="0"/>
+                      </a:endParaRPr>
+                    </a:p>
+                  </a:txBody>
+                  <a:tcPr marL="9525" marR="9525" marT="9525" marB="9525" anchor="ctr"/>
+                </a:tc>
+                <a:tc>
+                  <a:txBody>
+                    <a:bodyPr/>
+                    <a:lstStyle/>
+                    <a:p>
+                      <a:pPr indent="71755" algn="ctr">
+                        <a:lnSpc>
+                          <a:spcPct val="107000"/>
+                        </a:lnSpc>
+                        <a:spcAft>
+                          <a:spcPts val="800"/>
+                        </a:spcAft>
+                      </a:pPr>
+                      <a:r>
+                        <a:rPr lang="en-CA" sz="1200" kern="100">
+                          <a:effectLst/>
+                        </a:rPr>
+                        <a:t>19.57%</a:t>
+                      </a:r>
+                      <a:endParaRPr lang="en-CA" sz="1100" kern="100">
+                        <a:effectLst/>
+                        <a:latin typeface="Aptos" panose="020B0004020202020204" pitchFamily="34" charset="0"/>
+                        <a:ea typeface="Aptos" panose="020B0004020202020204" pitchFamily="34" charset="0"/>
+                        <a:cs typeface="Arial" panose="020B0604020202020204" pitchFamily="34" charset="0"/>
+                      </a:endParaRPr>
+                    </a:p>
+                  </a:txBody>
+                  <a:tcPr marL="9525" marR="9525" marT="9525" marB="9525" anchor="ctr"/>
+                </a:tc>
+                <a:extLst>
+                  <a:ext uri="{0D108BD9-81ED-4DB2-BD59-A6C34878D82A}">
+                    <a16:rowId xmlns:a16="http://schemas.microsoft.com/office/drawing/2014/main" val="2115907333"/>
+                  </a:ext>
+                </a:extLst>
+              </a:tr>
+              <a:tr h="195934">
+                <a:tc>
+                  <a:txBody>
+                    <a:bodyPr/>
+                    <a:lstStyle/>
+                    <a:p>
+                      <a:pPr indent="71755" algn="justLow">
+                        <a:lnSpc>
+                          <a:spcPct val="107000"/>
+                        </a:lnSpc>
+                        <a:spcAft>
+                          <a:spcPts val="800"/>
+                        </a:spcAft>
+                      </a:pPr>
+                      <a:r>
+                        <a:rPr lang="en-CA" sz="1200" kern="100">
+                          <a:effectLst/>
+                        </a:rPr>
+                        <a:t>Summer</a:t>
+                      </a:r>
+                      <a:endParaRPr lang="en-CA" sz="1100" kern="100">
+                        <a:effectLst/>
+                        <a:latin typeface="Aptos" panose="020B0004020202020204" pitchFamily="34" charset="0"/>
+                        <a:ea typeface="Aptos" panose="020B0004020202020204" pitchFamily="34" charset="0"/>
+                        <a:cs typeface="Arial" panose="020B0604020202020204" pitchFamily="34" charset="0"/>
+                      </a:endParaRPr>
+                    </a:p>
+                  </a:txBody>
+                  <a:tcPr marL="9525" marR="9525" marT="9525" marB="9525" anchor="ctr"/>
+                </a:tc>
+                <a:tc>
+                  <a:txBody>
+                    <a:bodyPr/>
+                    <a:lstStyle/>
+                    <a:p>
+                      <a:pPr indent="71755" algn="ctr">
+                        <a:lnSpc>
+                          <a:spcPct val="107000"/>
+                        </a:lnSpc>
+                        <a:spcAft>
+                          <a:spcPts val="800"/>
+                        </a:spcAft>
+                      </a:pPr>
+                      <a:r>
+                        <a:rPr lang="en-CA" sz="1200" kern="100" dirty="0">
+                          <a:effectLst/>
+                        </a:rPr>
+                        <a:t>11</a:t>
+                      </a:r>
+                      <a:endParaRPr lang="en-CA" sz="1100" kern="100" dirty="0">
+                        <a:effectLst/>
+                        <a:latin typeface="Aptos" panose="020B0004020202020204" pitchFamily="34" charset="0"/>
+                        <a:ea typeface="Aptos" panose="020B0004020202020204" pitchFamily="34" charset="0"/>
+                        <a:cs typeface="Arial" panose="020B0604020202020204" pitchFamily="34" charset="0"/>
+                      </a:endParaRPr>
+                    </a:p>
+                  </a:txBody>
+                  <a:tcPr marL="9525" marR="9525" marT="9525" marB="9525" anchor="ctr"/>
+                </a:tc>
+                <a:tc>
+                  <a:txBody>
+                    <a:bodyPr/>
+                    <a:lstStyle/>
+                    <a:p>
+                      <a:pPr indent="71755" algn="ctr">
+                        <a:lnSpc>
+                          <a:spcPct val="107000"/>
+                        </a:lnSpc>
+                        <a:spcAft>
+                          <a:spcPts val="800"/>
+                        </a:spcAft>
+                      </a:pPr>
+                      <a:r>
+                        <a:rPr lang="en-CA" sz="1200" kern="100" dirty="0">
+                          <a:effectLst/>
+                        </a:rPr>
+                        <a:t>11.96%</a:t>
+                      </a:r>
+                      <a:endParaRPr lang="en-CA" sz="1100" kern="100" dirty="0">
+                        <a:effectLst/>
+                        <a:latin typeface="Aptos" panose="020B0004020202020204" pitchFamily="34" charset="0"/>
+                        <a:ea typeface="Aptos" panose="020B0004020202020204" pitchFamily="34" charset="0"/>
+                        <a:cs typeface="Arial" panose="020B0604020202020204" pitchFamily="34" charset="0"/>
+                      </a:endParaRPr>
+                    </a:p>
+                  </a:txBody>
+                  <a:tcPr marL="9525" marR="9525" marT="9525" marB="9525" anchor="ctr"/>
+                </a:tc>
+                <a:extLst>
+                  <a:ext uri="{0D108BD9-81ED-4DB2-BD59-A6C34878D82A}">
+                    <a16:rowId xmlns:a16="http://schemas.microsoft.com/office/drawing/2014/main" val="3323300886"/>
+                  </a:ext>
+                </a:extLst>
+              </a:tr>
+              <a:tr h="195934">
+                <a:tc>
+                  <a:txBody>
+                    <a:bodyPr/>
+                    <a:lstStyle/>
+                    <a:p>
+                      <a:pPr indent="71755" algn="justLow">
+                        <a:lnSpc>
+                          <a:spcPct val="107000"/>
+                        </a:lnSpc>
+                        <a:spcAft>
+                          <a:spcPts val="800"/>
+                        </a:spcAft>
+                      </a:pPr>
+                      <a:r>
+                        <a:rPr lang="en-CA" sz="1200" kern="100">
+                          <a:effectLst/>
+                        </a:rPr>
+                        <a:t>Fall</a:t>
+                      </a:r>
+                      <a:endParaRPr lang="en-CA" sz="1100" kern="100">
+                        <a:effectLst/>
+                        <a:latin typeface="Aptos" panose="020B0004020202020204" pitchFamily="34" charset="0"/>
+                        <a:ea typeface="Aptos" panose="020B0004020202020204" pitchFamily="34" charset="0"/>
+                        <a:cs typeface="Arial" panose="020B0604020202020204" pitchFamily="34" charset="0"/>
+                      </a:endParaRPr>
+                    </a:p>
+                  </a:txBody>
+                  <a:tcPr marL="9525" marR="9525" marT="9525" marB="9525" anchor="ctr"/>
+                </a:tc>
+                <a:tc>
+                  <a:txBody>
+                    <a:bodyPr/>
+                    <a:lstStyle/>
+                    <a:p>
+                      <a:pPr indent="71755" algn="ctr">
+                        <a:lnSpc>
+                          <a:spcPct val="107000"/>
+                        </a:lnSpc>
+                        <a:spcAft>
+                          <a:spcPts val="800"/>
+                        </a:spcAft>
+                      </a:pPr>
+                      <a:r>
+                        <a:rPr lang="en-CA" sz="1200" kern="100">
+                          <a:effectLst/>
+                        </a:rPr>
+                        <a:t>0</a:t>
+                      </a:r>
+                      <a:endParaRPr lang="en-CA" sz="1100" kern="100">
+                        <a:effectLst/>
+                        <a:latin typeface="Aptos" panose="020B0004020202020204" pitchFamily="34" charset="0"/>
+                        <a:ea typeface="Aptos" panose="020B0004020202020204" pitchFamily="34" charset="0"/>
+                        <a:cs typeface="Arial" panose="020B0604020202020204" pitchFamily="34" charset="0"/>
+                      </a:endParaRPr>
+                    </a:p>
+                  </a:txBody>
+                  <a:tcPr marL="9525" marR="9525" marT="9525" marB="9525" anchor="ctr"/>
+                </a:tc>
+                <a:tc>
+                  <a:txBody>
+                    <a:bodyPr/>
+                    <a:lstStyle/>
+                    <a:p>
+                      <a:pPr indent="71755" algn="ctr">
+                        <a:lnSpc>
+                          <a:spcPct val="107000"/>
+                        </a:lnSpc>
+                        <a:spcAft>
+                          <a:spcPts val="800"/>
+                        </a:spcAft>
+                      </a:pPr>
+                      <a:r>
+                        <a:rPr lang="en-CA" sz="1200" kern="100" dirty="0">
+                          <a:effectLst/>
+                        </a:rPr>
+                        <a:t>0.00%</a:t>
+                      </a:r>
+                      <a:endParaRPr lang="en-CA" sz="1100" kern="100" dirty="0">
+                        <a:effectLst/>
+                        <a:latin typeface="Aptos" panose="020B0004020202020204" pitchFamily="34" charset="0"/>
+                        <a:ea typeface="Aptos" panose="020B0004020202020204" pitchFamily="34" charset="0"/>
+                        <a:cs typeface="Arial" panose="020B0604020202020204" pitchFamily="34" charset="0"/>
+                      </a:endParaRPr>
+                    </a:p>
+                  </a:txBody>
+                  <a:tcPr marL="9525" marR="9525" marT="9525" marB="9525" anchor="ctr"/>
+                </a:tc>
+                <a:extLst>
+                  <a:ext uri="{0D108BD9-81ED-4DB2-BD59-A6C34878D82A}">
+                    <a16:rowId xmlns:a16="http://schemas.microsoft.com/office/drawing/2014/main" val="318110544"/>
+                  </a:ext>
+                </a:extLst>
+              </a:tr>
+              <a:tr h="195934">
+                <a:tc>
+                  <a:txBody>
+                    <a:bodyPr/>
+                    <a:lstStyle/>
+                    <a:p>
+                      <a:pPr indent="71755" algn="justLow">
+                        <a:lnSpc>
+                          <a:spcPct val="107000"/>
+                        </a:lnSpc>
+                        <a:spcAft>
+                          <a:spcPts val="800"/>
+                        </a:spcAft>
+                      </a:pPr>
+                      <a:r>
+                        <a:rPr lang="en-CA" sz="1200" kern="100">
+                          <a:effectLst/>
+                        </a:rPr>
+                        <a:t>Total</a:t>
+                      </a:r>
+                      <a:endParaRPr lang="en-CA" sz="1100" kern="100">
+                        <a:effectLst/>
+                        <a:latin typeface="Aptos" panose="020B0004020202020204" pitchFamily="34" charset="0"/>
+                        <a:ea typeface="Aptos" panose="020B0004020202020204" pitchFamily="34" charset="0"/>
+                        <a:cs typeface="Arial" panose="020B0604020202020204" pitchFamily="34" charset="0"/>
+                      </a:endParaRPr>
+                    </a:p>
+                  </a:txBody>
+                  <a:tcPr marL="9525" marR="9525" marT="9525" marB="9525" anchor="ctr"/>
+                </a:tc>
+                <a:tc>
+                  <a:txBody>
+                    <a:bodyPr/>
+                    <a:lstStyle/>
+                    <a:p>
+                      <a:pPr indent="71755" algn="ctr">
+                        <a:lnSpc>
+                          <a:spcPct val="107000"/>
+                        </a:lnSpc>
+                        <a:spcAft>
+                          <a:spcPts val="800"/>
+                        </a:spcAft>
+                      </a:pPr>
+                      <a:r>
+                        <a:rPr lang="en-CA" sz="1200" kern="100">
+                          <a:effectLst/>
+                        </a:rPr>
+                        <a:t>46</a:t>
+                      </a:r>
+                      <a:endParaRPr lang="en-CA" sz="1100" kern="100">
+                        <a:effectLst/>
+                        <a:latin typeface="Aptos" panose="020B0004020202020204" pitchFamily="34" charset="0"/>
+                        <a:ea typeface="Aptos" panose="020B0004020202020204" pitchFamily="34" charset="0"/>
+                        <a:cs typeface="Arial" panose="020B0604020202020204" pitchFamily="34" charset="0"/>
+                      </a:endParaRPr>
+                    </a:p>
+                  </a:txBody>
+                  <a:tcPr marL="9525" marR="9525" marT="9525" marB="9525" anchor="ctr"/>
+                </a:tc>
+                <a:tc>
+                  <a:txBody>
+                    <a:bodyPr/>
+                    <a:lstStyle/>
+                    <a:p>
+                      <a:pPr indent="71755" algn="ctr">
+                        <a:lnSpc>
+                          <a:spcPct val="107000"/>
+                        </a:lnSpc>
+                        <a:spcAft>
+                          <a:spcPts val="800"/>
+                        </a:spcAft>
+                      </a:pPr>
+                      <a:r>
+                        <a:rPr lang="en-CA" sz="1200" kern="100" dirty="0">
+                          <a:effectLst/>
+                        </a:rPr>
+                        <a:t>16.14%</a:t>
+                      </a:r>
+                      <a:endParaRPr lang="en-CA" sz="1100" kern="100" dirty="0">
+                        <a:effectLst/>
+                        <a:latin typeface="Aptos" panose="020B0004020202020204" pitchFamily="34" charset="0"/>
+                        <a:ea typeface="Aptos" panose="020B0004020202020204" pitchFamily="34" charset="0"/>
+                        <a:cs typeface="Arial" panose="020B0604020202020204" pitchFamily="34" charset="0"/>
+                      </a:endParaRPr>
+                    </a:p>
+                  </a:txBody>
+                  <a:tcPr marL="9525" marR="9525" marT="9525" marB="9525" anchor="ctr"/>
+                </a:tc>
+                <a:extLst>
+                  <a:ext uri="{0D108BD9-81ED-4DB2-BD59-A6C34878D82A}">
+                    <a16:rowId xmlns:a16="http://schemas.microsoft.com/office/drawing/2014/main" val="1654060953"/>
+                  </a:ext>
+                </a:extLst>
+              </a:tr>
+            </a:tbl>
+          </a:graphicData>
+        </a:graphic>
+      </p:graphicFrame>
+      <p:sp>
+        <p:nvSpPr>
+          <p:cNvPr id="4" name="Rectangle 1">
+            <a:extLst>
+              <a:ext uri="{FF2B5EF4-FFF2-40B4-BE49-F238E27FC236}">
+                <a16:creationId xmlns:a16="http://schemas.microsoft.com/office/drawing/2014/main" id="{652F02D5-AEE0-B4A2-0C8D-D8EF5BBDE40B}"/>
+              </a:ext>
+            </a:extLst>
+          </p:cNvPr>
+          <p:cNvSpPr>
+            <a:spLocks noChangeArrowheads="1"/>
+          </p:cNvSpPr>
           <p:nvPr/>
-        </p:nvPicPr>
-        <p:blipFill>
-          <a:blip r:embed="rId4">
-            <a:extLst>
-              <a:ext uri="{28A0092B-C50C-407E-A947-70E740481C1C}">
-                <a14:useLocalDpi xmlns:a14="http://schemas.microsoft.com/office/drawing/2010/main" val="0"/>
-              </a:ext>
-            </a:extLst>
-          </a:blip>
-          <a:stretch>
-            <a:fillRect/>
-          </a:stretch>
-        </p:blipFill>
-        <p:spPr>
+        </p:nvSpPr>
+        <p:spPr bwMode="auto">
           <a:xfrm>
-            <a:off x="229676" y="3050879"/>
-            <a:ext cx="3588104" cy="920027"/>
+            <a:off x="56677" y="1876952"/>
+            <a:ext cx="4004046" cy="646331"/>
           </a:xfrm>
           <a:prstGeom prst="rect">
             <a:avLst/>
           </a:prstGeom>
+          <a:noFill/>
+          <a:ln>
+            <a:noFill/>
+          </a:ln>
+          <a:effectLst/>
+          <a:extLst>
+            <a:ext uri="{909E8E84-426E-40DD-AFC4-6F175D3DCCD1}">
+              <a14:hiddenFill xmlns:a14="http://schemas.microsoft.com/office/drawing/2010/main">
+                <a:solidFill>
+                  <a:schemeClr val="accent1"/>
+                </a:solidFill>
+              </a14:hiddenFill>
+            </a:ext>
+            <a:ext uri="{91240B29-F687-4F45-9708-019B960494DF}">
+              <a14:hiddenLine xmlns:a14="http://schemas.microsoft.com/office/drawing/2010/main" w="9525">
+                <a:solidFill>
+                  <a:schemeClr val="tx1"/>
+                </a:solidFill>
+                <a:miter lim="800000"/>
+                <a:headEnd/>
+                <a:tailEnd/>
+              </a14:hiddenLine>
+            </a:ext>
+            <a:ext uri="{AF507438-7753-43E0-B8FC-AC1667EBCBE1}">
+              <a14:hiddenEffects xmlns:a14="http://schemas.microsoft.com/office/drawing/2010/main">
+                <a:effectLst>
+                  <a:outerShdw dist="35921" dir="2700000" algn="ctr" rotWithShape="0">
+                    <a:schemeClr val="bg2"/>
+                  </a:outerShdw>
+                </a:effectLst>
+              </a14:hiddenEffects>
+            </a:ext>
+          </a:extLst>
         </p:spPr>
-      </p:pic>
+        <p:txBody>
+          <a:bodyPr vert="horz" wrap="square" lIns="91440" tIns="45720" rIns="91440" bIns="45720" numCol="1" anchor="ctr" anchorCtr="0" compatLnSpc="1">
+            <a:prstTxWarp prst="textNoShape">
+              <a:avLst/>
+            </a:prstTxWarp>
+            <a:spAutoFit/>
+          </a:bodyPr>
+          <a:lstStyle>
+            <a:lvl1pPr indent="71438" eaLnBrk="0" fontAlgn="base" hangingPunct="0">
+              <a:spcBef>
+                <a:spcPct val="0"/>
+              </a:spcBef>
+              <a:spcAft>
+                <a:spcPct val="0"/>
+              </a:spcAft>
+              <a:defRPr>
+                <a:solidFill>
+                  <a:schemeClr val="tx1"/>
+                </a:solidFill>
+                <a:latin typeface="Arial" panose="020B0604020202020204" pitchFamily="34" charset="0"/>
+              </a:defRPr>
+            </a:lvl1pPr>
+            <a:lvl2pPr eaLnBrk="0" fontAlgn="base" hangingPunct="0">
+              <a:spcBef>
+                <a:spcPct val="0"/>
+              </a:spcBef>
+              <a:spcAft>
+                <a:spcPct val="0"/>
+              </a:spcAft>
+              <a:defRPr>
+                <a:solidFill>
+                  <a:schemeClr val="tx1"/>
+                </a:solidFill>
+                <a:latin typeface="Arial" panose="020B0604020202020204" pitchFamily="34" charset="0"/>
+              </a:defRPr>
+            </a:lvl2pPr>
+            <a:lvl3pPr eaLnBrk="0" fontAlgn="base" hangingPunct="0">
+              <a:spcBef>
+                <a:spcPct val="0"/>
+              </a:spcBef>
+              <a:spcAft>
+                <a:spcPct val="0"/>
+              </a:spcAft>
+              <a:defRPr>
+                <a:solidFill>
+                  <a:schemeClr val="tx1"/>
+                </a:solidFill>
+                <a:latin typeface="Arial" panose="020B0604020202020204" pitchFamily="34" charset="0"/>
+              </a:defRPr>
+            </a:lvl3pPr>
+            <a:lvl4pPr eaLnBrk="0" fontAlgn="base" hangingPunct="0">
+              <a:spcBef>
+                <a:spcPct val="0"/>
+              </a:spcBef>
+              <a:spcAft>
+                <a:spcPct val="0"/>
+              </a:spcAft>
+              <a:defRPr>
+                <a:solidFill>
+                  <a:schemeClr val="tx1"/>
+                </a:solidFill>
+                <a:latin typeface="Arial" panose="020B0604020202020204" pitchFamily="34" charset="0"/>
+              </a:defRPr>
+            </a:lvl4pPr>
+            <a:lvl5pPr eaLnBrk="0" fontAlgn="base" hangingPunct="0">
+              <a:spcBef>
+                <a:spcPct val="0"/>
+              </a:spcBef>
+              <a:spcAft>
+                <a:spcPct val="0"/>
+              </a:spcAft>
+              <a:defRPr>
+                <a:solidFill>
+                  <a:schemeClr val="tx1"/>
+                </a:solidFill>
+                <a:latin typeface="Arial" panose="020B0604020202020204" pitchFamily="34" charset="0"/>
+              </a:defRPr>
+            </a:lvl5pPr>
+            <a:lvl6pPr eaLnBrk="0" fontAlgn="base" hangingPunct="0">
+              <a:spcBef>
+                <a:spcPct val="0"/>
+              </a:spcBef>
+              <a:spcAft>
+                <a:spcPct val="0"/>
+              </a:spcAft>
+              <a:defRPr>
+                <a:solidFill>
+                  <a:schemeClr val="tx1"/>
+                </a:solidFill>
+                <a:latin typeface="Arial" panose="020B0604020202020204" pitchFamily="34" charset="0"/>
+              </a:defRPr>
+            </a:lvl6pPr>
+            <a:lvl7pPr eaLnBrk="0" fontAlgn="base" hangingPunct="0">
+              <a:spcBef>
+                <a:spcPct val="0"/>
+              </a:spcBef>
+              <a:spcAft>
+                <a:spcPct val="0"/>
+              </a:spcAft>
+              <a:defRPr>
+                <a:solidFill>
+                  <a:schemeClr val="tx1"/>
+                </a:solidFill>
+                <a:latin typeface="Arial" panose="020B0604020202020204" pitchFamily="34" charset="0"/>
+              </a:defRPr>
+            </a:lvl7pPr>
+            <a:lvl8pPr eaLnBrk="0" fontAlgn="base" hangingPunct="0">
+              <a:spcBef>
+                <a:spcPct val="0"/>
+              </a:spcBef>
+              <a:spcAft>
+                <a:spcPct val="0"/>
+              </a:spcAft>
+              <a:defRPr>
+                <a:solidFill>
+                  <a:schemeClr val="tx1"/>
+                </a:solidFill>
+                <a:latin typeface="Arial" panose="020B0604020202020204" pitchFamily="34" charset="0"/>
+              </a:defRPr>
+            </a:lvl8pPr>
+            <a:lvl9pPr eaLnBrk="0" fontAlgn="base" hangingPunct="0">
+              <a:spcBef>
+                <a:spcPct val="0"/>
+              </a:spcBef>
+              <a:spcAft>
+                <a:spcPct val="0"/>
+              </a:spcAft>
+              <a:defRPr>
+                <a:solidFill>
+                  <a:schemeClr val="tx1"/>
+                </a:solidFill>
+                <a:latin typeface="Arial" panose="020B0604020202020204" pitchFamily="34" charset="0"/>
+              </a:defRPr>
+            </a:lvl9pPr>
+          </a:lstStyle>
+          <a:p>
+            <a:pPr marL="0" marR="0" lvl="0" indent="71438" algn="justLow" defTabSz="914400" rtl="0" eaLnBrk="0" fontAlgn="base" latinLnBrk="0" hangingPunct="0">
+              <a:lnSpc>
+                <a:spcPct val="100000"/>
+              </a:lnSpc>
+              <a:spcBef>
+                <a:spcPct val="0"/>
+              </a:spcBef>
+              <a:spcAft>
+                <a:spcPct val="0"/>
+              </a:spcAft>
+              <a:buClrTx/>
+              <a:buSzTx/>
+              <a:buFontTx/>
+              <a:buNone/>
+              <a:tabLst/>
+            </a:pPr>
+            <a:r>
+              <a:rPr kumimoji="0" lang="en-CA" altLang="en-US" b="0" i="0" u="none" strike="noStrike" cap="none" normalizeH="0" baseline="0" dirty="0">
+                <a:ln>
+                  <a:noFill/>
+                </a:ln>
+                <a:solidFill>
+                  <a:schemeClr val="tx1"/>
+                </a:solidFill>
+                <a:effectLst/>
+                <a:latin typeface="Times New Roman" panose="02020603050405020304" pitchFamily="18" charset="0"/>
+                <a:ea typeface="Aptos" panose="020B0004020202020204" pitchFamily="34" charset="0"/>
+                <a:cs typeface="Times New Roman" panose="02020603050405020304" pitchFamily="18" charset="0"/>
+              </a:rPr>
+              <a:t>Calculate Z-Score and IQR outliers</a:t>
+            </a:r>
+          </a:p>
+          <a:p>
+            <a:pPr marL="0" marR="0" lvl="0" indent="71438" algn="justLow" defTabSz="914400" rtl="0" eaLnBrk="0" fontAlgn="base" latinLnBrk="0" hangingPunct="0">
+              <a:lnSpc>
+                <a:spcPct val="100000"/>
+              </a:lnSpc>
+              <a:spcBef>
+                <a:spcPct val="0"/>
+              </a:spcBef>
+              <a:spcAft>
+                <a:spcPct val="0"/>
+              </a:spcAft>
+              <a:buClrTx/>
+              <a:buSzTx/>
+              <a:buFontTx/>
+              <a:buNone/>
+              <a:tabLst/>
+            </a:pPr>
+            <a:r>
+              <a:rPr kumimoji="0" lang="en-CA" altLang="en-US" b="0" i="0" u="none" strike="noStrike" cap="none" normalizeH="0" baseline="0" dirty="0">
+                <a:ln>
+                  <a:noFill/>
+                </a:ln>
+                <a:solidFill>
+                  <a:schemeClr val="tx1"/>
+                </a:solidFill>
+                <a:effectLst/>
+                <a:latin typeface="Times New Roman" panose="02020603050405020304" pitchFamily="18" charset="0"/>
+                <a:ea typeface="Aptos" panose="020B0004020202020204" pitchFamily="34" charset="0"/>
+                <a:cs typeface="Times New Roman" panose="02020603050405020304" pitchFamily="18" charset="0"/>
+              </a:rPr>
+              <a:t>The information of outlier removal data:</a:t>
+            </a:r>
+            <a:endParaRPr kumimoji="0" lang="en-CA" altLang="en-US" sz="2800" b="0" i="0" u="none" strike="noStrike" cap="none" normalizeH="0" baseline="0" dirty="0">
+              <a:ln>
+                <a:noFill/>
+              </a:ln>
+              <a:solidFill>
+                <a:schemeClr val="tx1"/>
+              </a:solidFill>
+              <a:effectLst/>
+              <a:latin typeface="Arial" panose="020B0604020202020204" pitchFamily="34" charset="0"/>
+            </a:endParaRPr>
+          </a:p>
+        </p:txBody>
+      </p:sp>
     </p:spTree>
     <p:extLst>
       <p:ext uri="{BB962C8B-B14F-4D97-AF65-F5344CB8AC3E}">
@@ -5889,10 +6894,10 @@
       </p:pic>
       <p:pic>
         <p:nvPicPr>
-          <p:cNvPr id="9" name="Picture 8">
-            <a:extLst>
-              <a:ext uri="{FF2B5EF4-FFF2-40B4-BE49-F238E27FC236}">
-                <a16:creationId xmlns:a16="http://schemas.microsoft.com/office/drawing/2014/main" id="{999FD31C-4706-C4A4-CEB6-FDC6AABD6A3D}"/>
+          <p:cNvPr id="4" name="Picture 3">
+            <a:extLst>
+              <a:ext uri="{FF2B5EF4-FFF2-40B4-BE49-F238E27FC236}">
+                <a16:creationId xmlns:a16="http://schemas.microsoft.com/office/drawing/2014/main" id="{E3896A96-1254-AA45-ABEB-73A24C5CEBE3}"/>
               </a:ext>
             </a:extLst>
           </p:cNvPr>
@@ -5909,8 +6914,8 @@
         </p:blipFill>
         <p:spPr>
           <a:xfrm>
-            <a:off x="0" y="0"/>
-            <a:ext cx="4438859" cy="6858000"/>
+            <a:off x="255739" y="0"/>
+            <a:ext cx="4465587" cy="6858000"/>
           </a:xfrm>
           <a:prstGeom prst="rect">
             <a:avLst/>
@@ -5972,47 +6977,37 @@
           </a:p>
         </p:txBody>
       </p:sp>
+      <p:sp>
+        <p:nvSpPr>
+          <p:cNvPr id="6" name="Content Placeholder 5">
+            <a:extLst>
+              <a:ext uri="{FF2B5EF4-FFF2-40B4-BE49-F238E27FC236}">
+                <a16:creationId xmlns:a16="http://schemas.microsoft.com/office/drawing/2014/main" id="{5BF86B39-3929-43DC-9DED-E32841992753}"/>
+              </a:ext>
+            </a:extLst>
+          </p:cNvPr>
+          <p:cNvSpPr>
+            <a:spLocks noGrp="1"/>
+          </p:cNvSpPr>
+          <p:nvPr>
+            <p:ph idx="1"/>
+          </p:nvPr>
+        </p:nvSpPr>
+        <p:spPr/>
+        <p:txBody>
+          <a:bodyPr/>
+          <a:lstStyle/>
+          <a:p>
+            <a:endParaRPr lang="en-CA"/>
+          </a:p>
+        </p:txBody>
+      </p:sp>
       <p:pic>
         <p:nvPicPr>
-          <p:cNvPr id="9" name="Content Placeholder 8">
-            <a:extLst>
-              <a:ext uri="{FF2B5EF4-FFF2-40B4-BE49-F238E27FC236}">
-                <a16:creationId xmlns:a16="http://schemas.microsoft.com/office/drawing/2014/main" id="{AAD19B39-CDE4-B8B3-0BA2-1422EDC3AD9F}"/>
-              </a:ext>
-            </a:extLst>
-          </p:cNvPr>
-          <p:cNvPicPr>
-            <a:picLocks noGrp="1" noChangeAspect="1"/>
-          </p:cNvPicPr>
-          <p:nvPr>
-            <p:ph idx="1"/>
-          </p:nvPr>
-        </p:nvPicPr>
-        <p:blipFill>
-          <a:blip r:embed="rId2">
-            <a:extLst>
-              <a:ext uri="{28A0092B-C50C-407E-A947-70E740481C1C}">
-                <a14:useLocalDpi xmlns:a14="http://schemas.microsoft.com/office/drawing/2010/main" val="0"/>
-              </a:ext>
-            </a:extLst>
-          </a:blip>
-          <a:stretch>
-            <a:fillRect/>
-          </a:stretch>
-        </p:blipFill>
-        <p:spPr>
-          <a:xfrm>
-            <a:off x="4085944" y="3715504"/>
-            <a:ext cx="4020111" cy="571580"/>
-          </a:xfrm>
-        </p:spPr>
-      </p:pic>
-      <p:pic>
-        <p:nvPicPr>
-          <p:cNvPr id="13" name="Picture 12">
-            <a:extLst>
-              <a:ext uri="{FF2B5EF4-FFF2-40B4-BE49-F238E27FC236}">
-                <a16:creationId xmlns:a16="http://schemas.microsoft.com/office/drawing/2014/main" id="{1B005DC5-21F3-B6A8-964E-DEC7CA7EE94C}"/>
+          <p:cNvPr id="8" name="Picture 7">
+            <a:extLst>
+              <a:ext uri="{FF2B5EF4-FFF2-40B4-BE49-F238E27FC236}">
+                <a16:creationId xmlns:a16="http://schemas.microsoft.com/office/drawing/2014/main" id="{6FAE47CE-1BFC-9AA3-266E-1CAEC19E1733}"/>
               </a:ext>
             </a:extLst>
           </p:cNvPr>
@@ -6029,50 +7024,68 @@
         </p:blipFill>
         <p:spPr>
           <a:xfrm>
-            <a:off x="649144" y="0"/>
-            <a:ext cx="10874262" cy="6845756"/>
+            <a:off x="674837" y="0"/>
+            <a:ext cx="10842325" cy="6858000"/>
           </a:xfrm>
           <a:prstGeom prst="rect">
             <a:avLst/>
           </a:prstGeom>
         </p:spPr>
       </p:pic>
-      <p:pic>
-        <p:nvPicPr>
-          <p:cNvPr id="14" name="Picture 13" descr="A close up of a text&#10;&#10;Description automatically generated">
-            <a:extLst>
-              <a:ext uri="{FF2B5EF4-FFF2-40B4-BE49-F238E27FC236}">
-                <a16:creationId xmlns:a16="http://schemas.microsoft.com/office/drawing/2014/main" id="{AAF025B0-2BA6-281A-6D15-FF1E72C37DFB}"/>
-              </a:ext>
-            </a:extLst>
-          </p:cNvPr>
-          <p:cNvPicPr>
-            <a:picLocks noChangeAspect="1"/>
-          </p:cNvPicPr>
+      <p:sp>
+        <p:nvSpPr>
+          <p:cNvPr id="12" name="TextBox 11">
+            <a:extLst>
+              <a:ext uri="{FF2B5EF4-FFF2-40B4-BE49-F238E27FC236}">
+                <a16:creationId xmlns:a16="http://schemas.microsoft.com/office/drawing/2014/main" id="{0B3843F6-9AF7-AC27-A2E5-D08EFBC665DE}"/>
+              </a:ext>
+            </a:extLst>
+          </p:cNvPr>
+          <p:cNvSpPr txBox="1"/>
           <p:nvPr/>
-        </p:nvPicPr>
-        <p:blipFill>
-          <a:blip r:embed="rId2">
-            <a:extLst>
-              <a:ext uri="{28A0092B-C50C-407E-A947-70E740481C1C}">
-                <a14:useLocalDpi xmlns:a14="http://schemas.microsoft.com/office/drawing/2010/main" val="0"/>
-              </a:ext>
-            </a:extLst>
-          </a:blip>
-          <a:stretch>
-            <a:fillRect/>
-          </a:stretch>
-        </p:blipFill>
+        </p:nvSpPr>
         <p:spPr>
           <a:xfrm>
-            <a:off x="8694889" y="4021178"/>
-            <a:ext cx="3497111" cy="571580"/>
+            <a:off x="8809703" y="3304502"/>
+            <a:ext cx="3264310" cy="1200329"/>
           </a:xfrm>
           <a:prstGeom prst="rect">
             <a:avLst/>
           </a:prstGeom>
+          <a:noFill/>
         </p:spPr>
-      </p:pic>
+        <p:txBody>
+          <a:bodyPr wrap="square">
+            <a:spAutoFit/>
+          </a:bodyPr>
+          <a:lstStyle/>
+          <a:p>
+            <a:r>
+              <a:rPr lang="en-US" b="0" i="0" dirty="0">
+                <a:solidFill>
+                  <a:srgbClr val="292929"/>
+                </a:solidFill>
+                <a:effectLst/>
+                <a:latin typeface="Consolas" panose="020B0609020204030204" pitchFamily="49" charset="0"/>
+              </a:rPr>
+              <a:t>Months with less than the mean precipitation:</a:t>
+            </a:r>
+          </a:p>
+          <a:p>
+            <a:r>
+              <a:rPr lang="en-US" b="0" i="0" dirty="0">
+                <a:solidFill>
+                  <a:srgbClr val="292929"/>
+                </a:solidFill>
+                <a:effectLst/>
+                <a:latin typeface="Consolas" panose="020B0609020204030204" pitchFamily="49" charset="0"/>
+              </a:rPr>
+              <a:t> ['Oct', 'Dec', 'Jun', 'Jul', 'Aug']</a:t>
+            </a:r>
+            <a:endParaRPr lang="en-CA" dirty="0"/>
+          </a:p>
+        </p:txBody>
+      </p:sp>
     </p:spTree>
     <p:extLst>
       <p:ext uri="{BB962C8B-B14F-4D97-AF65-F5344CB8AC3E}">
@@ -6105,40 +7118,10 @@
       </p:grpSpPr>
       <p:pic>
         <p:nvPicPr>
-          <p:cNvPr id="20" name="Picture 19">
-            <a:extLst>
-              <a:ext uri="{FF2B5EF4-FFF2-40B4-BE49-F238E27FC236}">
-                <a16:creationId xmlns:a16="http://schemas.microsoft.com/office/drawing/2014/main" id="{A9ADFEED-1572-03FC-B929-BD640F89BED6}"/>
-              </a:ext>
-            </a:extLst>
-          </p:cNvPr>
-          <p:cNvPicPr>
-            <a:picLocks noChangeAspect="1"/>
-          </p:cNvPicPr>
-          <p:nvPr/>
-        </p:nvPicPr>
-        <p:blipFill>
-          <a:blip r:embed="rId2"/>
-          <a:stretch>
-            <a:fillRect/>
-          </a:stretch>
-        </p:blipFill>
-        <p:spPr>
-          <a:xfrm>
-            <a:off x="157563" y="1524000"/>
-            <a:ext cx="6562187" cy="3810000"/>
-          </a:xfrm>
-          <a:prstGeom prst="rect">
-            <a:avLst/>
-          </a:prstGeom>
-        </p:spPr>
-      </p:pic>
-      <p:pic>
-        <p:nvPicPr>
-          <p:cNvPr id="23" name="Picture 22">
-            <a:extLst>
-              <a:ext uri="{FF2B5EF4-FFF2-40B4-BE49-F238E27FC236}">
-                <a16:creationId xmlns:a16="http://schemas.microsoft.com/office/drawing/2014/main" id="{886CFD7D-D625-EAB5-3754-F599E61EE96D}"/>
+          <p:cNvPr id="3" name="Picture 2">
+            <a:extLst>
+              <a:ext uri="{FF2B5EF4-FFF2-40B4-BE49-F238E27FC236}">
+                <a16:creationId xmlns:a16="http://schemas.microsoft.com/office/drawing/2014/main" id="{B1CF7C87-EA88-C6B8-10D1-0EC20CB51D65}"/>
               </a:ext>
             </a:extLst>
           </p:cNvPr>
@@ -6155,8 +7138,8 @@
         </p:blipFill>
         <p:spPr>
           <a:xfrm>
-            <a:off x="6719750" y="155575"/>
-            <a:ext cx="5472250" cy="3498850"/>
+            <a:off x="93779" y="1209368"/>
+            <a:ext cx="6715684" cy="3923071"/>
           </a:xfrm>
           <a:prstGeom prst="rect">
             <a:avLst/>
@@ -6165,10 +7148,10 @@
       </p:pic>
       <p:pic>
         <p:nvPicPr>
-          <p:cNvPr id="25" name="Picture 24">
-            <a:extLst>
-              <a:ext uri="{FF2B5EF4-FFF2-40B4-BE49-F238E27FC236}">
-                <a16:creationId xmlns:a16="http://schemas.microsoft.com/office/drawing/2014/main" id="{F04FEDA4-D6CD-1DCA-02B2-72D563EC1DA4}"/>
+          <p:cNvPr id="5" name="Picture 4">
+            <a:extLst>
+              <a:ext uri="{FF2B5EF4-FFF2-40B4-BE49-F238E27FC236}">
+                <a16:creationId xmlns:a16="http://schemas.microsoft.com/office/drawing/2014/main" id="{392290F7-4296-CC37-CC81-AEE7BAE92CD8}"/>
               </a:ext>
             </a:extLst>
           </p:cNvPr>
@@ -6185,14 +7168,428 @@
         </p:blipFill>
         <p:spPr>
           <a:xfrm>
-            <a:off x="6899176" y="3654425"/>
-            <a:ext cx="4307667" cy="3200160"/>
+            <a:off x="6888118" y="105848"/>
+            <a:ext cx="5382537" cy="3451844"/>
           </a:xfrm>
           <a:prstGeom prst="rect">
             <a:avLst/>
           </a:prstGeom>
         </p:spPr>
       </p:pic>
+      <p:pic>
+        <p:nvPicPr>
+          <p:cNvPr id="7" name="Picture 6">
+            <a:extLst>
+              <a:ext uri="{FF2B5EF4-FFF2-40B4-BE49-F238E27FC236}">
+                <a16:creationId xmlns:a16="http://schemas.microsoft.com/office/drawing/2014/main" id="{5FB72AB9-CDFA-FFDB-8F68-A56F406A2A38}"/>
+              </a:ext>
+            </a:extLst>
+          </p:cNvPr>
+          <p:cNvPicPr>
+            <a:picLocks noChangeAspect="1"/>
+          </p:cNvPicPr>
+          <p:nvPr/>
+        </p:nvPicPr>
+        <p:blipFill>
+          <a:blip r:embed="rId5"/>
+          <a:stretch>
+            <a:fillRect/>
+          </a:stretch>
+        </p:blipFill>
+        <p:spPr>
+          <a:xfrm>
+            <a:off x="7059560" y="3222905"/>
+            <a:ext cx="4350691" cy="3234562"/>
+          </a:xfrm>
+          <a:prstGeom prst="rect">
+            <a:avLst/>
+          </a:prstGeom>
+        </p:spPr>
+      </p:pic>
+      <p:sp>
+        <p:nvSpPr>
+          <p:cNvPr id="9" name="TextBox 8">
+            <a:extLst>
+              <a:ext uri="{FF2B5EF4-FFF2-40B4-BE49-F238E27FC236}">
+                <a16:creationId xmlns:a16="http://schemas.microsoft.com/office/drawing/2014/main" id="{04BE5783-B321-8789-77B1-C35766BD26D0}"/>
+              </a:ext>
+            </a:extLst>
+          </p:cNvPr>
+          <p:cNvSpPr txBox="1"/>
+          <p:nvPr/>
+        </p:nvSpPr>
+        <p:spPr>
+          <a:xfrm>
+            <a:off x="6799630" y="6383314"/>
+            <a:ext cx="5225222" cy="447045"/>
+          </a:xfrm>
+          <a:prstGeom prst="rect">
+            <a:avLst/>
+          </a:prstGeom>
+          <a:noFill/>
+        </p:spPr>
+        <p:txBody>
+          <a:bodyPr wrap="square">
+            <a:spAutoFit/>
+          </a:bodyPr>
+          <a:lstStyle/>
+          <a:p>
+            <a:pPr indent="71755" algn="ctr">
+              <a:lnSpc>
+                <a:spcPct val="107000"/>
+              </a:lnSpc>
+              <a:spcAft>
+                <a:spcPts val="800"/>
+              </a:spcAft>
+            </a:pPr>
+            <a:r>
+              <a:rPr lang="en-CA" sz="1050" kern="100" dirty="0">
+                <a:effectLst/>
+                <a:latin typeface="Times New Roman" panose="02020603050405020304" pitchFamily="18" charset="0"/>
+                <a:ea typeface="Aptos" panose="020B0004020202020204" pitchFamily="34" charset="0"/>
+                <a:cs typeface="Arial" panose="020B0604020202020204" pitchFamily="34" charset="0"/>
+              </a:rPr>
+              <a:t>Figure 8: The correlation heatmap and </a:t>
+            </a:r>
+            <a:r>
+              <a:rPr lang="en-CA" sz="1050" kern="100" dirty="0" err="1">
+                <a:effectLst/>
+                <a:latin typeface="Times New Roman" panose="02020603050405020304" pitchFamily="18" charset="0"/>
+                <a:ea typeface="Aptos" panose="020B0004020202020204" pitchFamily="34" charset="0"/>
+                <a:cs typeface="Arial" panose="020B0604020202020204" pitchFamily="34" charset="0"/>
+              </a:rPr>
+              <a:t>pairplot</a:t>
+            </a:r>
+            <a:r>
+              <a:rPr lang="en-CA" sz="1050" kern="100" dirty="0">
+                <a:effectLst/>
+                <a:latin typeface="Times New Roman" panose="02020603050405020304" pitchFamily="18" charset="0"/>
+                <a:ea typeface="Aptos" panose="020B0004020202020204" pitchFamily="34" charset="0"/>
+                <a:cs typeface="Arial" panose="020B0604020202020204" pitchFamily="34" charset="0"/>
+              </a:rPr>
+              <a:t> illustrate relationships among selected weather variables in Tehran.</a:t>
+            </a:r>
+            <a:endParaRPr lang="en-CA" sz="1050" kern="100" dirty="0">
+              <a:effectLst/>
+              <a:latin typeface="Aptos" panose="020B0004020202020204" pitchFamily="34" charset="0"/>
+              <a:ea typeface="Aptos" panose="020B0004020202020204" pitchFamily="34" charset="0"/>
+              <a:cs typeface="Arial" panose="020B0604020202020204" pitchFamily="34" charset="0"/>
+            </a:endParaRPr>
+          </a:p>
+        </p:txBody>
+      </p:sp>
+      <p:sp>
+        <p:nvSpPr>
+          <p:cNvPr id="10" name="Rectangle 9">
+            <a:extLst>
+              <a:ext uri="{FF2B5EF4-FFF2-40B4-BE49-F238E27FC236}">
+                <a16:creationId xmlns:a16="http://schemas.microsoft.com/office/drawing/2014/main" id="{0C796F5F-9542-D4F6-DF65-365709EAA58C}"/>
+              </a:ext>
+            </a:extLst>
+          </p:cNvPr>
+          <p:cNvSpPr/>
+          <p:nvPr/>
+        </p:nvSpPr>
+        <p:spPr>
+          <a:xfrm>
+            <a:off x="7310120" y="4856480"/>
+            <a:ext cx="675640" cy="680720"/>
+          </a:xfrm>
+          <a:prstGeom prst="rect">
+            <a:avLst/>
+          </a:prstGeom>
+          <a:noFill/>
+          <a:ln>
+            <a:solidFill>
+              <a:srgbClr val="FFC000"/>
+            </a:solidFill>
+          </a:ln>
+        </p:spPr>
+        <p:style>
+          <a:lnRef idx="2">
+            <a:schemeClr val="accent1">
+              <a:shade val="15000"/>
+            </a:schemeClr>
+          </a:lnRef>
+          <a:fillRef idx="1">
+            <a:schemeClr val="accent1"/>
+          </a:fillRef>
+          <a:effectRef idx="0">
+            <a:schemeClr val="accent1"/>
+          </a:effectRef>
+          <a:fontRef idx="minor">
+            <a:schemeClr val="lt1"/>
+          </a:fontRef>
+        </p:style>
+        <p:txBody>
+          <a:bodyPr rtlCol="0" anchor="ctr"/>
+          <a:lstStyle/>
+          <a:p>
+            <a:pPr algn="ctr"/>
+            <a:endParaRPr lang="en-CA"/>
+          </a:p>
+        </p:txBody>
+      </p:sp>
+      <p:sp>
+        <p:nvSpPr>
+          <p:cNvPr id="11" name="Rectangle 10">
+            <a:extLst>
+              <a:ext uri="{FF2B5EF4-FFF2-40B4-BE49-F238E27FC236}">
+                <a16:creationId xmlns:a16="http://schemas.microsoft.com/office/drawing/2014/main" id="{2C909A8C-D9A6-1388-6EBB-00A4470CB528}"/>
+              </a:ext>
+            </a:extLst>
+          </p:cNvPr>
+          <p:cNvSpPr/>
+          <p:nvPr/>
+        </p:nvSpPr>
+        <p:spPr>
+          <a:xfrm>
+            <a:off x="7310120" y="5582920"/>
+            <a:ext cx="675640" cy="680720"/>
+          </a:xfrm>
+          <a:prstGeom prst="rect">
+            <a:avLst/>
+          </a:prstGeom>
+          <a:noFill/>
+          <a:ln>
+            <a:solidFill>
+              <a:srgbClr val="FFC000"/>
+            </a:solidFill>
+          </a:ln>
+        </p:spPr>
+        <p:style>
+          <a:lnRef idx="2">
+            <a:schemeClr val="accent1">
+              <a:shade val="15000"/>
+            </a:schemeClr>
+          </a:lnRef>
+          <a:fillRef idx="1">
+            <a:schemeClr val="accent1"/>
+          </a:fillRef>
+          <a:effectRef idx="0">
+            <a:schemeClr val="accent1"/>
+          </a:effectRef>
+          <a:fontRef idx="minor">
+            <a:schemeClr val="lt1"/>
+          </a:fontRef>
+        </p:style>
+        <p:txBody>
+          <a:bodyPr rtlCol="0" anchor="ctr"/>
+          <a:lstStyle/>
+          <a:p>
+            <a:pPr algn="ctr"/>
+            <a:endParaRPr lang="en-CA"/>
+          </a:p>
+        </p:txBody>
+      </p:sp>
+      <p:sp>
+        <p:nvSpPr>
+          <p:cNvPr id="12" name="Rectangle 11">
+            <a:extLst>
+              <a:ext uri="{FF2B5EF4-FFF2-40B4-BE49-F238E27FC236}">
+                <a16:creationId xmlns:a16="http://schemas.microsoft.com/office/drawing/2014/main" id="{71747F08-E900-E0BB-A46F-8E25F2C7F2CC}"/>
+              </a:ext>
+            </a:extLst>
+          </p:cNvPr>
+          <p:cNvSpPr/>
+          <p:nvPr/>
+        </p:nvSpPr>
+        <p:spPr>
+          <a:xfrm>
+            <a:off x="7310120" y="4138783"/>
+            <a:ext cx="675640" cy="680720"/>
+          </a:xfrm>
+          <a:prstGeom prst="rect">
+            <a:avLst/>
+          </a:prstGeom>
+          <a:noFill/>
+          <a:ln>
+            <a:solidFill>
+              <a:srgbClr val="FFC000"/>
+            </a:solidFill>
+          </a:ln>
+        </p:spPr>
+        <p:style>
+          <a:lnRef idx="2">
+            <a:schemeClr val="accent1">
+              <a:shade val="15000"/>
+            </a:schemeClr>
+          </a:lnRef>
+          <a:fillRef idx="1">
+            <a:schemeClr val="accent1"/>
+          </a:fillRef>
+          <a:effectRef idx="0">
+            <a:schemeClr val="accent1"/>
+          </a:effectRef>
+          <a:fontRef idx="minor">
+            <a:schemeClr val="lt1"/>
+          </a:fontRef>
+        </p:style>
+        <p:txBody>
+          <a:bodyPr rtlCol="0" anchor="ctr"/>
+          <a:lstStyle/>
+          <a:p>
+            <a:pPr algn="ctr"/>
+            <a:endParaRPr lang="en-CA"/>
+          </a:p>
+        </p:txBody>
+      </p:sp>
+      <p:sp>
+        <p:nvSpPr>
+          <p:cNvPr id="13" name="Rectangle 12">
+            <a:extLst>
+              <a:ext uri="{FF2B5EF4-FFF2-40B4-BE49-F238E27FC236}">
+                <a16:creationId xmlns:a16="http://schemas.microsoft.com/office/drawing/2014/main" id="{151A61A9-CCC9-66E6-A791-5A5F7171E8C7}"/>
+              </a:ext>
+            </a:extLst>
+          </p:cNvPr>
+          <p:cNvSpPr/>
+          <p:nvPr/>
+        </p:nvSpPr>
+        <p:spPr>
+          <a:xfrm>
+            <a:off x="8736601" y="4840186"/>
+            <a:ext cx="675640" cy="680720"/>
+          </a:xfrm>
+          <a:prstGeom prst="rect">
+            <a:avLst/>
+          </a:prstGeom>
+          <a:noFill/>
+          <a:ln>
+            <a:solidFill>
+              <a:srgbClr val="92D050"/>
+            </a:solidFill>
+          </a:ln>
+        </p:spPr>
+        <p:style>
+          <a:lnRef idx="2">
+            <a:schemeClr val="accent1">
+              <a:shade val="15000"/>
+            </a:schemeClr>
+          </a:lnRef>
+          <a:fillRef idx="1">
+            <a:schemeClr val="accent1"/>
+          </a:fillRef>
+          <a:effectRef idx="0">
+            <a:schemeClr val="accent1"/>
+          </a:effectRef>
+          <a:fontRef idx="minor">
+            <a:schemeClr val="lt1"/>
+          </a:fontRef>
+        </p:style>
+        <p:txBody>
+          <a:bodyPr rtlCol="0" anchor="ctr"/>
+          <a:lstStyle/>
+          <a:p>
+            <a:pPr algn="ctr"/>
+            <a:endParaRPr lang="en-CA"/>
+          </a:p>
+        </p:txBody>
+      </p:sp>
+      <p:sp>
+        <p:nvSpPr>
+          <p:cNvPr id="14" name="Rectangle 13">
+            <a:extLst>
+              <a:ext uri="{FF2B5EF4-FFF2-40B4-BE49-F238E27FC236}">
+                <a16:creationId xmlns:a16="http://schemas.microsoft.com/office/drawing/2014/main" id="{C02CF435-80AC-72A9-A786-CEBC3F073FA5}"/>
+              </a:ext>
+            </a:extLst>
+          </p:cNvPr>
+          <p:cNvSpPr/>
+          <p:nvPr/>
+        </p:nvSpPr>
+        <p:spPr>
+          <a:xfrm>
+            <a:off x="9484360" y="5611750"/>
+            <a:ext cx="675640" cy="680720"/>
+          </a:xfrm>
+          <a:prstGeom prst="rect">
+            <a:avLst/>
+          </a:prstGeom>
+          <a:noFill/>
+          <a:ln>
+            <a:solidFill>
+              <a:srgbClr val="92D050"/>
+            </a:solidFill>
+          </a:ln>
+        </p:spPr>
+        <p:style>
+          <a:lnRef idx="2">
+            <a:schemeClr val="accent1">
+              <a:shade val="15000"/>
+            </a:schemeClr>
+          </a:lnRef>
+          <a:fillRef idx="1">
+            <a:schemeClr val="accent1"/>
+          </a:fillRef>
+          <a:effectRef idx="0">
+            <a:schemeClr val="accent1"/>
+          </a:effectRef>
+          <a:fontRef idx="minor">
+            <a:schemeClr val="lt1"/>
+          </a:fontRef>
+        </p:style>
+        <p:txBody>
+          <a:bodyPr rtlCol="0" anchor="ctr"/>
+          <a:lstStyle/>
+          <a:p>
+            <a:pPr algn="ctr"/>
+            <a:endParaRPr lang="en-CA"/>
+          </a:p>
+        </p:txBody>
+      </p:sp>
+      <p:sp>
+        <p:nvSpPr>
+          <p:cNvPr id="17" name="Callout: Right Arrow 16">
+            <a:extLst>
+              <a:ext uri="{FF2B5EF4-FFF2-40B4-BE49-F238E27FC236}">
+                <a16:creationId xmlns:a16="http://schemas.microsoft.com/office/drawing/2014/main" id="{E6BC1CA6-8571-1E9A-CED0-3CC1830554C8}"/>
+              </a:ext>
+            </a:extLst>
+          </p:cNvPr>
+          <p:cNvSpPr/>
+          <p:nvPr/>
+        </p:nvSpPr>
+        <p:spPr>
+          <a:xfrm>
+            <a:off x="6136640" y="5223283"/>
+            <a:ext cx="956596" cy="852397"/>
+          </a:xfrm>
+          <a:prstGeom prst="rightArrowCallout">
+            <a:avLst/>
+          </a:prstGeom>
+        </p:spPr>
+        <p:style>
+          <a:lnRef idx="1">
+            <a:schemeClr val="accent4"/>
+          </a:lnRef>
+          <a:fillRef idx="2">
+            <a:schemeClr val="accent4"/>
+          </a:fillRef>
+          <a:effectRef idx="1">
+            <a:schemeClr val="accent4"/>
+          </a:effectRef>
+          <a:fontRef idx="minor">
+            <a:schemeClr val="dk1"/>
+          </a:fontRef>
+        </p:style>
+        <p:txBody>
+          <a:bodyPr rtlCol="0" anchor="ctr"/>
+          <a:lstStyle/>
+          <a:p>
+            <a:pPr algn="ctr"/>
+            <a:r>
+              <a:rPr lang="en-CA" sz="600" dirty="0">
+                <a:effectLst/>
+                <a:latin typeface="Times New Roman" panose="02020603050405020304" pitchFamily="18" charset="0"/>
+                <a:ea typeface="Aptos" panose="020B0004020202020204" pitchFamily="34" charset="0"/>
+              </a:rPr>
+              <a:t>Temperature shows a slight negative trend with wind speed and pressure</a:t>
+            </a:r>
+            <a:endParaRPr lang="en-CA" sz="600" dirty="0"/>
+          </a:p>
+        </p:txBody>
+      </p:sp>
     </p:spTree>
     <p:extLst>
       <p:ext uri="{BB962C8B-B14F-4D97-AF65-F5344CB8AC3E}">
@@ -6353,12 +7750,16 @@
           <a:lstStyle/>
           <a:p>
             <a:r>
-              <a:rPr lang="en-CA" sz="1800" dirty="0"/>
-              <a:t>Tehran is quite a dry and hot city!</a:t>
-            </a:r>
-          </a:p>
-          <a:p>
-            <a:endParaRPr lang="en-CA" sz="1800" dirty="0"/>
+              <a:rPr lang="en-US" sz="2000" dirty="0"/>
+              <a:t>Tehran is a relatively dry and hot city</a:t>
+            </a:r>
+            <a:r>
+              <a:rPr lang="en-CA" sz="2000" dirty="0"/>
+              <a:t>!</a:t>
+            </a:r>
+          </a:p>
+          <a:p>
+            <a:endParaRPr lang="en-CA" sz="2000" dirty="0"/>
           </a:p>
         </p:txBody>
       </p:sp>
@@ -6391,7 +7792,7 @@
         </p:blipFill>
         <p:spPr bwMode="auto">
           <a:xfrm>
-            <a:off x="7806351" y="4633757"/>
+            <a:off x="8622430" y="4564931"/>
             <a:ext cx="320674" cy="315939"/>
           </a:xfrm>
           <a:prstGeom prst="rect">
